--- a/ProtoBuff.pptx
+++ b/ProtoBuff.pptx
@@ -5,10 +5,10 @@
     <p:sldMasterId id="2147483649" r:id="rId1"/>
   </p:sldMasterIdLst>
   <p:notesMasterIdLst>
-    <p:notesMasterId r:id="rId13"/>
+    <p:notesMasterId r:id="rId22"/>
   </p:notesMasterIdLst>
   <p:handoutMasterIdLst>
-    <p:handoutMasterId r:id="rId14"/>
+    <p:handoutMasterId r:id="rId23"/>
   </p:handoutMasterIdLst>
   <p:sldIdLst>
     <p:sldId id="256" r:id="rId2"/>
@@ -19,9 +19,18 @@
     <p:sldId id="263" r:id="rId7"/>
     <p:sldId id="267" r:id="rId8"/>
     <p:sldId id="264" r:id="rId9"/>
-    <p:sldId id="268" r:id="rId10"/>
-    <p:sldId id="265" r:id="rId11"/>
-    <p:sldId id="260" r:id="rId12"/>
+    <p:sldId id="269" r:id="rId10"/>
+    <p:sldId id="270" r:id="rId11"/>
+    <p:sldId id="271" r:id="rId12"/>
+    <p:sldId id="268" r:id="rId13"/>
+    <p:sldId id="272" r:id="rId14"/>
+    <p:sldId id="273" r:id="rId15"/>
+    <p:sldId id="274" r:id="rId16"/>
+    <p:sldId id="275" r:id="rId17"/>
+    <p:sldId id="276" r:id="rId18"/>
+    <p:sldId id="277" r:id="rId19"/>
+    <p:sldId id="265" r:id="rId20"/>
+    <p:sldId id="260" r:id="rId21"/>
   </p:sldIdLst>
   <p:sldSz cx="9144000" cy="6858000" type="screen4x3"/>
   <p:notesSz cx="6562725" cy="8686800"/>
@@ -5022,7 +5031,15 @@
             <a:pPr algn="ctr"/>
             <a:r>
               <a:rPr lang="en-GB" dirty="0"/>
-              <a:t>Conclusion</a:t>
+              <a:t>Compilation</a:t>
+            </a:r>
+            <a:r>
+              <a:rPr lang="pl-PL" dirty="0"/>
+              <a:t>: </a:t>
+            </a:r>
+            <a:r>
+              <a:rPr lang="en-GB" dirty="0"/>
+              <a:t>Python</a:t>
             </a:r>
           </a:p>
         </p:txBody>
@@ -5048,14 +5065,106 @@
           <a:bodyPr/>
           <a:lstStyle/>
           <a:p>
+            <a:pPr marL="0" indent="0" algn="ctr">
+              <a:buNone/>
+            </a:pPr>
+            <a:r>
+              <a:rPr lang="pl-PL" dirty="0" err="1"/>
+              <a:t>Protoc</a:t>
+            </a:r>
             <a:endParaRPr lang="en-GB" dirty="0"/>
+          </a:p>
+        </p:txBody>
+      </p:sp>
+      <p:sp>
+        <p:nvSpPr>
+          <p:cNvPr id="4" name="Prostokąt 3">
+            <a:extLst>
+              <a:ext uri="{FF2B5EF4-FFF2-40B4-BE49-F238E27FC236}">
+                <a16:creationId xmlns:a16="http://schemas.microsoft.com/office/drawing/2014/main" id="{6E25A2F6-9E93-4CE1-ACC5-FE88A5A8B74E}"/>
+              </a:ext>
+            </a:extLst>
+          </p:cNvPr>
+          <p:cNvSpPr/>
+          <p:nvPr/>
+        </p:nvSpPr>
+        <p:spPr>
+          <a:xfrm>
+            <a:off x="1430428" y="2348880"/>
+            <a:ext cx="6912769" cy="307777"/>
+          </a:xfrm>
+          <a:prstGeom prst="rect">
+            <a:avLst/>
+          </a:prstGeom>
+        </p:spPr>
+        <p:txBody>
+          <a:bodyPr wrap="square">
+            <a:spAutoFit/>
+          </a:bodyPr>
+          <a:lstStyle/>
+          <a:p>
+            <a:pPr lvl="0" eaLnBrk="0" hangingPunct="0"/>
+            <a:r>
+              <a:rPr lang="en-US" altLang="en-US" sz="1400" dirty="0" err="1">
+                <a:solidFill>
+                  <a:srgbClr val="37474F"/>
+                </a:solidFill>
+                <a:latin typeface="Consolas" panose="020B0609020204030204" pitchFamily="49" charset="0"/>
+              </a:rPr>
+              <a:t>protoc</a:t>
+            </a:r>
+            <a:r>
+              <a:rPr lang="en-US" altLang="en-US" sz="1400" dirty="0">
+                <a:solidFill>
+                  <a:srgbClr val="37474F"/>
+                </a:solidFill>
+                <a:latin typeface="Consolas" panose="020B0609020204030204" pitchFamily="49" charset="0"/>
+              </a:rPr>
+              <a:t> -I=$SRC_DIR --</a:t>
+            </a:r>
+            <a:r>
+              <a:rPr lang="en-US" altLang="en-US" sz="1400" dirty="0" err="1">
+                <a:solidFill>
+                  <a:srgbClr val="37474F"/>
+                </a:solidFill>
+                <a:latin typeface="Consolas" panose="020B0609020204030204" pitchFamily="49" charset="0"/>
+              </a:rPr>
+              <a:t>python_out</a:t>
+            </a:r>
+            <a:r>
+              <a:rPr lang="en-US" altLang="en-US" sz="1400" dirty="0">
+                <a:solidFill>
+                  <a:srgbClr val="37474F"/>
+                </a:solidFill>
+                <a:latin typeface="Consolas" panose="020B0609020204030204" pitchFamily="49" charset="0"/>
+              </a:rPr>
+              <a:t>=$DST_DIR $SRC_DIR/</a:t>
+            </a:r>
+            <a:r>
+              <a:rPr lang="en-US" altLang="en-US" sz="1400" dirty="0" err="1">
+                <a:solidFill>
+                  <a:srgbClr val="37474F"/>
+                </a:solidFill>
+                <a:latin typeface="Consolas" panose="020B0609020204030204" pitchFamily="49" charset="0"/>
+              </a:rPr>
+              <a:t>addressbook.proto</a:t>
+            </a:r>
+            <a:r>
+              <a:rPr lang="en-US" altLang="en-US" sz="1400" dirty="0">
+                <a:solidFill>
+                  <a:srgbClr val="37474F"/>
+                </a:solidFill>
+                <a:latin typeface="Consolas" panose="020B0609020204030204" pitchFamily="49" charset="0"/>
+              </a:rPr>
+              <a:t> </a:t>
+            </a:r>
           </a:p>
         </p:txBody>
       </p:sp>
     </p:spTree>
     <p:extLst>
       <p:ext uri="{BB962C8B-B14F-4D97-AF65-F5344CB8AC3E}">
-        <p14:creationId xmlns:p14="http://schemas.microsoft.com/office/powerpoint/2010/main" val="3046966073"/>
+        <p14:creationId xmlns:p14="http://schemas.microsoft.com/office/powerpoint/2010/main" val="547934610"/>
       </p:ext>
     </p:extLst>
   </p:cSld>
@@ -5087,7 +5196,516 @@
       </p:grpSpPr>
       <p:sp>
         <p:nvSpPr>
-          <p:cNvPr id="3" name="Symbol zastępczy zawartości 2"/>
+          <p:cNvPr id="2" name="Symbol zastępczy tekstu 1">
+            <a:extLst>
+              <a:ext uri="{FF2B5EF4-FFF2-40B4-BE49-F238E27FC236}">
+                <a16:creationId xmlns:a16="http://schemas.microsoft.com/office/drawing/2014/main" id="{365C45AE-4F0B-4814-ADFC-BBF76DB0C703}"/>
+              </a:ext>
+            </a:extLst>
+          </p:cNvPr>
+          <p:cNvSpPr>
+            <a:spLocks noGrp="1"/>
+          </p:cNvSpPr>
+          <p:nvPr>
+            <p:ph type="body" idx="11"/>
+          </p:nvPr>
+        </p:nvSpPr>
+        <p:spPr/>
+        <p:txBody>
+          <a:bodyPr/>
+          <a:lstStyle/>
+          <a:p>
+            <a:pPr algn="ctr"/>
+            <a:r>
+              <a:rPr lang="en-GB" dirty="0"/>
+              <a:t>Compilation</a:t>
+            </a:r>
+          </a:p>
+        </p:txBody>
+      </p:sp>
+      <p:sp>
+        <p:nvSpPr>
+          <p:cNvPr id="8" name="Symbol zastępczy zawartości 4">
+            <a:extLst>
+              <a:ext uri="{FF2B5EF4-FFF2-40B4-BE49-F238E27FC236}">
+                <a16:creationId xmlns:a16="http://schemas.microsoft.com/office/drawing/2014/main" id="{2F0388CC-E785-4A59-B2A0-5BCC967017ED}"/>
+              </a:ext>
+            </a:extLst>
+          </p:cNvPr>
+          <p:cNvSpPr txBox="1">
+            <a:spLocks/>
+          </p:cNvSpPr>
+          <p:nvPr/>
+        </p:nvSpPr>
+        <p:spPr bwMode="auto">
+          <a:xfrm>
+            <a:off x="1081512" y="2294874"/>
+            <a:ext cx="2376265" cy="504056"/>
+          </a:xfrm>
+          <a:prstGeom prst="rect">
+            <a:avLst/>
+          </a:prstGeom>
+          <a:noFill/>
+          <a:ln>
+            <a:noFill/>
+          </a:ln>
+          <a:effectLst/>
+          <a:extLst>
+            <a:ext uri="{909E8E84-426E-40DD-AFC4-6F175D3DCCD1}">
+              <a14:hiddenFill xmlns:a14="http://schemas.microsoft.com/office/drawing/2010/main">
+                <a:solidFill>
+                  <a:schemeClr val="accent1"/>
+                </a:solidFill>
+              </a14:hiddenFill>
+            </a:ext>
+            <a:ext uri="{91240B29-F687-4F45-9708-019B960494DF}">
+              <a14:hiddenLine xmlns:a14="http://schemas.microsoft.com/office/drawing/2010/main" w="9525">
+                <a:solidFill>
+                  <a:schemeClr val="tx1"/>
+                </a:solidFill>
+                <a:miter lim="800000"/>
+                <a:headEnd/>
+                <a:tailEnd/>
+              </a14:hiddenLine>
+            </a:ext>
+            <a:ext uri="{AF507438-7753-43E0-B8FC-AC1667EBCBE1}">
+              <a14:hiddenEffects xmlns:a14="http://schemas.microsoft.com/office/drawing/2010/main">
+                <a:effectLst>
+                  <a:outerShdw dist="35921" dir="2700000" algn="ctr" rotWithShape="0">
+                    <a:schemeClr val="bg2"/>
+                  </a:outerShdw>
+                </a:effectLst>
+              </a14:hiddenEffects>
+            </a:ext>
+          </a:extLst>
+        </p:spPr>
+        <p:txBody>
+          <a:bodyPr vert="horz" wrap="square" lIns="0" tIns="45720" rIns="0" bIns="45720" numCol="1" anchor="t" anchorCtr="0" compatLnSpc="1">
+            <a:prstTxWarp prst="textNoShape">
+              <a:avLst/>
+            </a:prstTxWarp>
+          </a:bodyPr>
+          <a:lstStyle>
+            <a:lvl1pPr marL="342900" indent="-342900" algn="l" rtl="0" eaLnBrk="1" fontAlgn="base" hangingPunct="1">
+              <a:spcBef>
+                <a:spcPct val="20000"/>
+              </a:spcBef>
+              <a:spcAft>
+                <a:spcPct val="0"/>
+              </a:spcAft>
+              <a:buChar char="•"/>
+              <a:defRPr sz="2800">
+                <a:solidFill>
+                  <a:schemeClr val="tx1"/>
+                </a:solidFill>
+                <a:latin typeface="Calibri" panose="020F0502020204030204" pitchFamily="34" charset="0"/>
+                <a:ea typeface="+mn-ea"/>
+                <a:cs typeface="+mn-cs"/>
+              </a:defRPr>
+            </a:lvl1pPr>
+            <a:lvl2pPr marL="742950" indent="-285750" algn="l" rtl="0" eaLnBrk="1" fontAlgn="base" hangingPunct="1">
+              <a:spcBef>
+                <a:spcPct val="20000"/>
+              </a:spcBef>
+              <a:spcAft>
+                <a:spcPct val="0"/>
+              </a:spcAft>
+              <a:buChar char="–"/>
+              <a:defRPr sz="2400">
+                <a:solidFill>
+                  <a:schemeClr val="tx1"/>
+                </a:solidFill>
+                <a:latin typeface="Calibri" panose="020F0502020204030204" pitchFamily="34" charset="0"/>
+              </a:defRPr>
+            </a:lvl2pPr>
+            <a:lvl3pPr marL="1143000" indent="-228600" algn="l" rtl="0" eaLnBrk="1" fontAlgn="base" hangingPunct="1">
+              <a:spcBef>
+                <a:spcPct val="20000"/>
+              </a:spcBef>
+              <a:spcAft>
+                <a:spcPct val="0"/>
+              </a:spcAft>
+              <a:buChar char="•"/>
+              <a:defRPr sz="2000">
+                <a:solidFill>
+                  <a:schemeClr val="tx1"/>
+                </a:solidFill>
+                <a:latin typeface="Calibri" panose="020F0502020204030204" pitchFamily="34" charset="0"/>
+              </a:defRPr>
+            </a:lvl3pPr>
+            <a:lvl4pPr marL="1600200" indent="-228600" algn="l" rtl="0" eaLnBrk="1" fontAlgn="base" hangingPunct="1">
+              <a:spcBef>
+                <a:spcPct val="20000"/>
+              </a:spcBef>
+              <a:spcAft>
+                <a:spcPct val="0"/>
+              </a:spcAft>
+              <a:buChar char="–"/>
+              <a:defRPr sz="1800">
+                <a:solidFill>
+                  <a:schemeClr val="tx1"/>
+                </a:solidFill>
+                <a:latin typeface="Calibri" panose="020F0502020204030204" pitchFamily="34" charset="0"/>
+              </a:defRPr>
+            </a:lvl4pPr>
+            <a:lvl5pPr marL="2057400" indent="-228600" algn="l" rtl="0" eaLnBrk="1" fontAlgn="base" hangingPunct="1">
+              <a:spcBef>
+                <a:spcPct val="20000"/>
+              </a:spcBef>
+              <a:spcAft>
+                <a:spcPct val="0"/>
+              </a:spcAft>
+              <a:buChar char="»"/>
+              <a:defRPr sz="1800">
+                <a:solidFill>
+                  <a:schemeClr val="tx1"/>
+                </a:solidFill>
+                <a:latin typeface="Calibri" panose="020F0502020204030204" pitchFamily="34" charset="0"/>
+              </a:defRPr>
+            </a:lvl5pPr>
+            <a:lvl6pPr marL="2514600" indent="-228600" algn="l" rtl="0" eaLnBrk="1" fontAlgn="base" hangingPunct="1">
+              <a:spcBef>
+                <a:spcPct val="20000"/>
+              </a:spcBef>
+              <a:spcAft>
+                <a:spcPct val="0"/>
+              </a:spcAft>
+              <a:buChar char="»"/>
+              <a:defRPr sz="1800">
+                <a:solidFill>
+                  <a:schemeClr val="tx1"/>
+                </a:solidFill>
+                <a:latin typeface="+mn-lt"/>
+              </a:defRPr>
+            </a:lvl6pPr>
+            <a:lvl7pPr marL="2971800" indent="-228600" algn="l" rtl="0" eaLnBrk="1" fontAlgn="base" hangingPunct="1">
+              <a:spcBef>
+                <a:spcPct val="20000"/>
+              </a:spcBef>
+              <a:spcAft>
+                <a:spcPct val="0"/>
+              </a:spcAft>
+              <a:buChar char="»"/>
+              <a:defRPr sz="1800">
+                <a:solidFill>
+                  <a:schemeClr val="tx1"/>
+                </a:solidFill>
+                <a:latin typeface="+mn-lt"/>
+              </a:defRPr>
+            </a:lvl7pPr>
+            <a:lvl8pPr marL="3429000" indent="-228600" algn="l" rtl="0" eaLnBrk="1" fontAlgn="base" hangingPunct="1">
+              <a:spcBef>
+                <a:spcPct val="20000"/>
+              </a:spcBef>
+              <a:spcAft>
+                <a:spcPct val="0"/>
+              </a:spcAft>
+              <a:buChar char="»"/>
+              <a:defRPr sz="1800">
+                <a:solidFill>
+                  <a:schemeClr val="tx1"/>
+                </a:solidFill>
+                <a:latin typeface="+mn-lt"/>
+              </a:defRPr>
+            </a:lvl8pPr>
+            <a:lvl9pPr marL="3886200" indent="-228600" algn="l" rtl="0" eaLnBrk="1" fontAlgn="base" hangingPunct="1">
+              <a:spcBef>
+                <a:spcPct val="20000"/>
+              </a:spcBef>
+              <a:spcAft>
+                <a:spcPct val="0"/>
+              </a:spcAft>
+              <a:buChar char="»"/>
+              <a:defRPr sz="1800">
+                <a:solidFill>
+                  <a:schemeClr val="tx1"/>
+                </a:solidFill>
+                <a:latin typeface="+mn-lt"/>
+              </a:defRPr>
+            </a:lvl9pPr>
+          </a:lstStyle>
+          <a:p>
+            <a:pPr marL="0" indent="0" algn="ctr">
+              <a:buFontTx/>
+              <a:buNone/>
+            </a:pPr>
+            <a:r>
+              <a:rPr lang="pl-PL" sz="2400" kern="0" dirty="0" err="1"/>
+              <a:t>Person.prot</a:t>
+            </a:r>
+            <a:endParaRPr lang="en-GB" sz="2400" kern="0" dirty="0"/>
+          </a:p>
+        </p:txBody>
+      </p:sp>
+      <p:sp>
+        <p:nvSpPr>
+          <p:cNvPr id="3" name="Strzałka: w prawo 2">
+            <a:extLst>
+              <a:ext uri="{FF2B5EF4-FFF2-40B4-BE49-F238E27FC236}">
+                <a16:creationId xmlns:a16="http://schemas.microsoft.com/office/drawing/2014/main" id="{40BDBC4C-A4F7-4BE4-9CE6-AB2A071CD90D}"/>
+              </a:ext>
+            </a:extLst>
+          </p:cNvPr>
+          <p:cNvSpPr/>
+          <p:nvPr/>
+        </p:nvSpPr>
+        <p:spPr>
+          <a:xfrm>
+            <a:off x="3203848" y="2420888"/>
+            <a:ext cx="2880320" cy="252028"/>
+          </a:xfrm>
+          <a:prstGeom prst="rightArrow">
+            <a:avLst/>
+          </a:prstGeom>
+        </p:spPr>
+        <p:style>
+          <a:lnRef idx="2">
+            <a:schemeClr val="accent6">
+              <a:shade val="50000"/>
+            </a:schemeClr>
+          </a:lnRef>
+          <a:fillRef idx="1">
+            <a:schemeClr val="accent6"/>
+          </a:fillRef>
+          <a:effectRef idx="0">
+            <a:schemeClr val="accent6"/>
+          </a:effectRef>
+          <a:fontRef idx="minor">
+            <a:schemeClr val="lt1"/>
+          </a:fontRef>
+        </p:style>
+        <p:txBody>
+          <a:bodyPr rtlCol="0" anchor="ctr"/>
+          <a:lstStyle/>
+          <a:p>
+            <a:pPr algn="ctr"/>
+            <a:endParaRPr lang="en-GB"/>
+          </a:p>
+        </p:txBody>
+      </p:sp>
+      <p:sp>
+        <p:nvSpPr>
+          <p:cNvPr id="10" name="Symbol zastępczy zawartości 4">
+            <a:extLst>
+              <a:ext uri="{FF2B5EF4-FFF2-40B4-BE49-F238E27FC236}">
+                <a16:creationId xmlns:a16="http://schemas.microsoft.com/office/drawing/2014/main" id="{F59673FE-6A15-489B-B5AD-1627C272B4F8}"/>
+              </a:ext>
+            </a:extLst>
+          </p:cNvPr>
+          <p:cNvSpPr txBox="1">
+            <a:spLocks/>
+          </p:cNvSpPr>
+          <p:nvPr/>
+        </p:nvSpPr>
+        <p:spPr bwMode="auto">
+          <a:xfrm>
+            <a:off x="6167674" y="2309628"/>
+            <a:ext cx="2880320" cy="504056"/>
+          </a:xfrm>
+          <a:prstGeom prst="rect">
+            <a:avLst/>
+          </a:prstGeom>
+          <a:noFill/>
+          <a:ln>
+            <a:noFill/>
+          </a:ln>
+          <a:effectLst/>
+          <a:extLst>
+            <a:ext uri="{909E8E84-426E-40DD-AFC4-6F175D3DCCD1}">
+              <a14:hiddenFill xmlns:a14="http://schemas.microsoft.com/office/drawing/2010/main">
+                <a:solidFill>
+                  <a:schemeClr val="accent1"/>
+                </a:solidFill>
+              </a14:hiddenFill>
+            </a:ext>
+            <a:ext uri="{91240B29-F687-4F45-9708-019B960494DF}">
+              <a14:hiddenLine xmlns:a14="http://schemas.microsoft.com/office/drawing/2010/main" w="9525">
+                <a:solidFill>
+                  <a:schemeClr val="tx1"/>
+                </a:solidFill>
+                <a:miter lim="800000"/>
+                <a:headEnd/>
+                <a:tailEnd/>
+              </a14:hiddenLine>
+            </a:ext>
+            <a:ext uri="{AF507438-7753-43E0-B8FC-AC1667EBCBE1}">
+              <a14:hiddenEffects xmlns:a14="http://schemas.microsoft.com/office/drawing/2010/main">
+                <a:effectLst>
+                  <a:outerShdw dist="35921" dir="2700000" algn="ctr" rotWithShape="0">
+                    <a:schemeClr val="bg2"/>
+                  </a:outerShdw>
+                </a:effectLst>
+              </a14:hiddenEffects>
+            </a:ext>
+          </a:extLst>
+        </p:spPr>
+        <p:txBody>
+          <a:bodyPr vert="horz" wrap="square" lIns="0" tIns="45720" rIns="0" bIns="45720" numCol="1" anchor="t" anchorCtr="0" compatLnSpc="1">
+            <a:prstTxWarp prst="textNoShape">
+              <a:avLst/>
+            </a:prstTxWarp>
+          </a:bodyPr>
+          <a:lstStyle>
+            <a:lvl1pPr marL="342900" indent="-342900" algn="l" rtl="0" eaLnBrk="1" fontAlgn="base" hangingPunct="1">
+              <a:spcBef>
+                <a:spcPct val="20000"/>
+              </a:spcBef>
+              <a:spcAft>
+                <a:spcPct val="0"/>
+              </a:spcAft>
+              <a:buChar char="•"/>
+              <a:defRPr sz="2800">
+                <a:solidFill>
+                  <a:schemeClr val="tx1"/>
+                </a:solidFill>
+                <a:latin typeface="Calibri" panose="020F0502020204030204" pitchFamily="34" charset="0"/>
+                <a:ea typeface="+mn-ea"/>
+                <a:cs typeface="+mn-cs"/>
+              </a:defRPr>
+            </a:lvl1pPr>
+            <a:lvl2pPr marL="742950" indent="-285750" algn="l" rtl="0" eaLnBrk="1" fontAlgn="base" hangingPunct="1">
+              <a:spcBef>
+                <a:spcPct val="20000"/>
+              </a:spcBef>
+              <a:spcAft>
+                <a:spcPct val="0"/>
+              </a:spcAft>
+              <a:buChar char="–"/>
+              <a:defRPr sz="2400">
+                <a:solidFill>
+                  <a:schemeClr val="tx1"/>
+                </a:solidFill>
+                <a:latin typeface="Calibri" panose="020F0502020204030204" pitchFamily="34" charset="0"/>
+              </a:defRPr>
+            </a:lvl2pPr>
+            <a:lvl3pPr marL="1143000" indent="-228600" algn="l" rtl="0" eaLnBrk="1" fontAlgn="base" hangingPunct="1">
+              <a:spcBef>
+                <a:spcPct val="20000"/>
+              </a:spcBef>
+              <a:spcAft>
+                <a:spcPct val="0"/>
+              </a:spcAft>
+              <a:buChar char="•"/>
+              <a:defRPr sz="2000">
+                <a:solidFill>
+                  <a:schemeClr val="tx1"/>
+                </a:solidFill>
+                <a:latin typeface="Calibri" panose="020F0502020204030204" pitchFamily="34" charset="0"/>
+              </a:defRPr>
+            </a:lvl3pPr>
+            <a:lvl4pPr marL="1600200" indent="-228600" algn="l" rtl="0" eaLnBrk="1" fontAlgn="base" hangingPunct="1">
+              <a:spcBef>
+                <a:spcPct val="20000"/>
+              </a:spcBef>
+              <a:spcAft>
+                <a:spcPct val="0"/>
+              </a:spcAft>
+              <a:buChar char="–"/>
+              <a:defRPr sz="1800">
+                <a:solidFill>
+                  <a:schemeClr val="tx1"/>
+                </a:solidFill>
+                <a:latin typeface="Calibri" panose="020F0502020204030204" pitchFamily="34" charset="0"/>
+              </a:defRPr>
+            </a:lvl4pPr>
+            <a:lvl5pPr marL="2057400" indent="-228600" algn="l" rtl="0" eaLnBrk="1" fontAlgn="base" hangingPunct="1">
+              <a:spcBef>
+                <a:spcPct val="20000"/>
+              </a:spcBef>
+              <a:spcAft>
+                <a:spcPct val="0"/>
+              </a:spcAft>
+              <a:buChar char="»"/>
+              <a:defRPr sz="1800">
+                <a:solidFill>
+                  <a:schemeClr val="tx1"/>
+                </a:solidFill>
+                <a:latin typeface="Calibri" panose="020F0502020204030204" pitchFamily="34" charset="0"/>
+              </a:defRPr>
+            </a:lvl5pPr>
+            <a:lvl6pPr marL="2514600" indent="-228600" algn="l" rtl="0" eaLnBrk="1" fontAlgn="base" hangingPunct="1">
+              <a:spcBef>
+                <a:spcPct val="20000"/>
+              </a:spcBef>
+              <a:spcAft>
+                <a:spcPct val="0"/>
+              </a:spcAft>
+              <a:buChar char="»"/>
+              <a:defRPr sz="1800">
+                <a:solidFill>
+                  <a:schemeClr val="tx1"/>
+                </a:solidFill>
+                <a:latin typeface="+mn-lt"/>
+              </a:defRPr>
+            </a:lvl6pPr>
+            <a:lvl7pPr marL="2971800" indent="-228600" algn="l" rtl="0" eaLnBrk="1" fontAlgn="base" hangingPunct="1">
+              <a:spcBef>
+                <a:spcPct val="20000"/>
+              </a:spcBef>
+              <a:spcAft>
+                <a:spcPct val="0"/>
+              </a:spcAft>
+              <a:buChar char="»"/>
+              <a:defRPr sz="1800">
+                <a:solidFill>
+                  <a:schemeClr val="tx1"/>
+                </a:solidFill>
+                <a:latin typeface="+mn-lt"/>
+              </a:defRPr>
+            </a:lvl7pPr>
+            <a:lvl8pPr marL="3429000" indent="-228600" algn="l" rtl="0" eaLnBrk="1" fontAlgn="base" hangingPunct="1">
+              <a:spcBef>
+                <a:spcPct val="20000"/>
+              </a:spcBef>
+              <a:spcAft>
+                <a:spcPct val="0"/>
+              </a:spcAft>
+              <a:buChar char="»"/>
+              <a:defRPr sz="1800">
+                <a:solidFill>
+                  <a:schemeClr val="tx1"/>
+                </a:solidFill>
+                <a:latin typeface="+mn-lt"/>
+              </a:defRPr>
+            </a:lvl8pPr>
+            <a:lvl9pPr marL="3886200" indent="-228600" algn="l" rtl="0" eaLnBrk="1" fontAlgn="base" hangingPunct="1">
+              <a:spcBef>
+                <a:spcPct val="20000"/>
+              </a:spcBef>
+              <a:spcAft>
+                <a:spcPct val="0"/>
+              </a:spcAft>
+              <a:buChar char="»"/>
+              <a:defRPr sz="1800">
+                <a:solidFill>
+                  <a:schemeClr val="tx1"/>
+                </a:solidFill>
+                <a:latin typeface="+mn-lt"/>
+              </a:defRPr>
+            </a:lvl9pPr>
+          </a:lstStyle>
+          <a:p>
+            <a:pPr marL="0" indent="0" algn="ctr">
+              <a:buFontTx/>
+              <a:buNone/>
+            </a:pPr>
+            <a:r>
+              <a:rPr lang="pl-PL" sz="2400" kern="0" dirty="0"/>
+              <a:t>PeopleMessage.java</a:t>
+            </a:r>
+            <a:endParaRPr lang="en-GB" sz="2400" kern="0" dirty="0"/>
+          </a:p>
+        </p:txBody>
+      </p:sp>
+      <p:sp>
+        <p:nvSpPr>
+          <p:cNvPr id="13" name="Symbol zastępczy zawartości 4">
+            <a:extLst>
+              <a:ext uri="{FF2B5EF4-FFF2-40B4-BE49-F238E27FC236}">
+                <a16:creationId xmlns:a16="http://schemas.microsoft.com/office/drawing/2014/main" id="{AF93B162-D8D8-483F-B8B8-1459EA23B0F3}"/>
+              </a:ext>
+            </a:extLst>
+          </p:cNvPr>
           <p:cNvSpPr>
             <a:spLocks noGrp="1"/>
           </p:cNvSpPr>
@@ -5095,48 +5713,1216 @@
             <p:ph sz="half" idx="1"/>
           </p:nvPr>
         </p:nvSpPr>
-        <p:spPr/>
+        <p:spPr>
+          <a:xfrm>
+            <a:off x="755575" y="1556792"/>
+            <a:ext cx="8262476" cy="504056"/>
+          </a:xfrm>
+        </p:spPr>
         <p:txBody>
           <a:bodyPr/>
           <a:lstStyle/>
           <a:p>
-            <a:r>
-              <a:rPr lang="en-GB" dirty="0">
-                <a:hlinkClick r:id="rId2"/>
-              </a:rPr>
-              <a:t>https://www.baeldung.com/google-protocol-buffer</a:t>
-            </a:r>
-            <a:endParaRPr lang="pl-PL" dirty="0"/>
-          </a:p>
-          <a:p>
-            <a:r>
-              <a:rPr lang="en-GB" dirty="0">
-                <a:hlinkClick r:id="rId3"/>
-              </a:rPr>
-              <a:t>https://dzone.com/articles/protobuf-for-lazy-java-coders</a:t>
-            </a:r>
-            <a:endParaRPr lang="pl-PL" dirty="0"/>
-          </a:p>
-          <a:p>
-            <a:r>
-              <a:rPr lang="en-GB" dirty="0">
-                <a:hlinkClick r:id="rId4"/>
-              </a:rPr>
-              <a:t>https://developers.google.com/protocol-buffers/docs/javatutorial</a:t>
-            </a:r>
-            <a:endParaRPr lang="pl-PL" dirty="0"/>
-          </a:p>
-          <a:p>
-            <a:r>
-              <a:rPr lang="en-GB" dirty="0">
-                <a:hlinkClick r:id="rId5"/>
-              </a:rPr>
-              <a:t>https://www.appbrain.com/stats/libraries/details/protobuf/google-protocol-buffers</a:t>
+            <a:pPr marL="0" indent="0" algn="ctr">
+              <a:buNone/>
+            </a:pPr>
+            <a:r>
+              <a:rPr lang="pl-PL" dirty="0"/>
+              <a:t>Java</a:t>
             </a:r>
             <a:endParaRPr lang="en-GB" dirty="0"/>
           </a:p>
         </p:txBody>
       </p:sp>
+      <p:sp>
+        <p:nvSpPr>
+          <p:cNvPr id="14" name="Symbol zastępczy zawartości 4">
+            <a:extLst>
+              <a:ext uri="{FF2B5EF4-FFF2-40B4-BE49-F238E27FC236}">
+                <a16:creationId xmlns:a16="http://schemas.microsoft.com/office/drawing/2014/main" id="{DF692DF6-7525-4B1C-AAF0-197F194E607E}"/>
+              </a:ext>
+            </a:extLst>
+          </p:cNvPr>
+          <p:cNvSpPr txBox="1">
+            <a:spLocks/>
+          </p:cNvSpPr>
+          <p:nvPr/>
+        </p:nvSpPr>
+        <p:spPr bwMode="auto">
+          <a:xfrm>
+            <a:off x="1081512" y="5014218"/>
+            <a:ext cx="2376265" cy="504056"/>
+          </a:xfrm>
+          <a:prstGeom prst="rect">
+            <a:avLst/>
+          </a:prstGeom>
+          <a:noFill/>
+          <a:ln>
+            <a:noFill/>
+          </a:ln>
+          <a:effectLst/>
+          <a:extLst>
+            <a:ext uri="{909E8E84-426E-40DD-AFC4-6F175D3DCCD1}">
+              <a14:hiddenFill xmlns:a14="http://schemas.microsoft.com/office/drawing/2010/main">
+                <a:solidFill>
+                  <a:schemeClr val="accent1"/>
+                </a:solidFill>
+              </a14:hiddenFill>
+            </a:ext>
+            <a:ext uri="{91240B29-F687-4F45-9708-019B960494DF}">
+              <a14:hiddenLine xmlns:a14="http://schemas.microsoft.com/office/drawing/2010/main" w="9525">
+                <a:solidFill>
+                  <a:schemeClr val="tx1"/>
+                </a:solidFill>
+                <a:miter lim="800000"/>
+                <a:headEnd/>
+                <a:tailEnd/>
+              </a14:hiddenLine>
+            </a:ext>
+            <a:ext uri="{AF507438-7753-43E0-B8FC-AC1667EBCBE1}">
+              <a14:hiddenEffects xmlns:a14="http://schemas.microsoft.com/office/drawing/2010/main">
+                <a:effectLst>
+                  <a:outerShdw dist="35921" dir="2700000" algn="ctr" rotWithShape="0">
+                    <a:schemeClr val="bg2"/>
+                  </a:outerShdw>
+                </a:effectLst>
+              </a14:hiddenEffects>
+            </a:ext>
+          </a:extLst>
+        </p:spPr>
+        <p:txBody>
+          <a:bodyPr vert="horz" wrap="square" lIns="0" tIns="45720" rIns="0" bIns="45720" numCol="1" anchor="t" anchorCtr="0" compatLnSpc="1">
+            <a:prstTxWarp prst="textNoShape">
+              <a:avLst/>
+            </a:prstTxWarp>
+          </a:bodyPr>
+          <a:lstStyle>
+            <a:lvl1pPr marL="342900" indent="-342900" algn="l" rtl="0" eaLnBrk="1" fontAlgn="base" hangingPunct="1">
+              <a:spcBef>
+                <a:spcPct val="20000"/>
+              </a:spcBef>
+              <a:spcAft>
+                <a:spcPct val="0"/>
+              </a:spcAft>
+              <a:buChar char="•"/>
+              <a:defRPr sz="2800">
+                <a:solidFill>
+                  <a:schemeClr val="tx1"/>
+                </a:solidFill>
+                <a:latin typeface="Calibri" panose="020F0502020204030204" pitchFamily="34" charset="0"/>
+                <a:ea typeface="+mn-ea"/>
+                <a:cs typeface="+mn-cs"/>
+              </a:defRPr>
+            </a:lvl1pPr>
+            <a:lvl2pPr marL="742950" indent="-285750" algn="l" rtl="0" eaLnBrk="1" fontAlgn="base" hangingPunct="1">
+              <a:spcBef>
+                <a:spcPct val="20000"/>
+              </a:spcBef>
+              <a:spcAft>
+                <a:spcPct val="0"/>
+              </a:spcAft>
+              <a:buChar char="–"/>
+              <a:defRPr sz="2400">
+                <a:solidFill>
+                  <a:schemeClr val="tx1"/>
+                </a:solidFill>
+                <a:latin typeface="Calibri" panose="020F0502020204030204" pitchFamily="34" charset="0"/>
+              </a:defRPr>
+            </a:lvl2pPr>
+            <a:lvl3pPr marL="1143000" indent="-228600" algn="l" rtl="0" eaLnBrk="1" fontAlgn="base" hangingPunct="1">
+              <a:spcBef>
+                <a:spcPct val="20000"/>
+              </a:spcBef>
+              <a:spcAft>
+                <a:spcPct val="0"/>
+              </a:spcAft>
+              <a:buChar char="•"/>
+              <a:defRPr sz="2000">
+                <a:solidFill>
+                  <a:schemeClr val="tx1"/>
+                </a:solidFill>
+                <a:latin typeface="Calibri" panose="020F0502020204030204" pitchFamily="34" charset="0"/>
+              </a:defRPr>
+            </a:lvl3pPr>
+            <a:lvl4pPr marL="1600200" indent="-228600" algn="l" rtl="0" eaLnBrk="1" fontAlgn="base" hangingPunct="1">
+              <a:spcBef>
+                <a:spcPct val="20000"/>
+              </a:spcBef>
+              <a:spcAft>
+                <a:spcPct val="0"/>
+              </a:spcAft>
+              <a:buChar char="–"/>
+              <a:defRPr sz="1800">
+                <a:solidFill>
+                  <a:schemeClr val="tx1"/>
+                </a:solidFill>
+                <a:latin typeface="Calibri" panose="020F0502020204030204" pitchFamily="34" charset="0"/>
+              </a:defRPr>
+            </a:lvl4pPr>
+            <a:lvl5pPr marL="2057400" indent="-228600" algn="l" rtl="0" eaLnBrk="1" fontAlgn="base" hangingPunct="1">
+              <a:spcBef>
+                <a:spcPct val="20000"/>
+              </a:spcBef>
+              <a:spcAft>
+                <a:spcPct val="0"/>
+              </a:spcAft>
+              <a:buChar char="»"/>
+              <a:defRPr sz="1800">
+                <a:solidFill>
+                  <a:schemeClr val="tx1"/>
+                </a:solidFill>
+                <a:latin typeface="Calibri" panose="020F0502020204030204" pitchFamily="34" charset="0"/>
+              </a:defRPr>
+            </a:lvl5pPr>
+            <a:lvl6pPr marL="2514600" indent="-228600" algn="l" rtl="0" eaLnBrk="1" fontAlgn="base" hangingPunct="1">
+              <a:spcBef>
+                <a:spcPct val="20000"/>
+              </a:spcBef>
+              <a:spcAft>
+                <a:spcPct val="0"/>
+              </a:spcAft>
+              <a:buChar char="»"/>
+              <a:defRPr sz="1800">
+                <a:solidFill>
+                  <a:schemeClr val="tx1"/>
+                </a:solidFill>
+                <a:latin typeface="+mn-lt"/>
+              </a:defRPr>
+            </a:lvl6pPr>
+            <a:lvl7pPr marL="2971800" indent="-228600" algn="l" rtl="0" eaLnBrk="1" fontAlgn="base" hangingPunct="1">
+              <a:spcBef>
+                <a:spcPct val="20000"/>
+              </a:spcBef>
+              <a:spcAft>
+                <a:spcPct val="0"/>
+              </a:spcAft>
+              <a:buChar char="»"/>
+              <a:defRPr sz="1800">
+                <a:solidFill>
+                  <a:schemeClr val="tx1"/>
+                </a:solidFill>
+                <a:latin typeface="+mn-lt"/>
+              </a:defRPr>
+            </a:lvl7pPr>
+            <a:lvl8pPr marL="3429000" indent="-228600" algn="l" rtl="0" eaLnBrk="1" fontAlgn="base" hangingPunct="1">
+              <a:spcBef>
+                <a:spcPct val="20000"/>
+              </a:spcBef>
+              <a:spcAft>
+                <a:spcPct val="0"/>
+              </a:spcAft>
+              <a:buChar char="»"/>
+              <a:defRPr sz="1800">
+                <a:solidFill>
+                  <a:schemeClr val="tx1"/>
+                </a:solidFill>
+                <a:latin typeface="+mn-lt"/>
+              </a:defRPr>
+            </a:lvl8pPr>
+            <a:lvl9pPr marL="3886200" indent="-228600" algn="l" rtl="0" eaLnBrk="1" fontAlgn="base" hangingPunct="1">
+              <a:spcBef>
+                <a:spcPct val="20000"/>
+              </a:spcBef>
+              <a:spcAft>
+                <a:spcPct val="0"/>
+              </a:spcAft>
+              <a:buChar char="»"/>
+              <a:defRPr sz="1800">
+                <a:solidFill>
+                  <a:schemeClr val="tx1"/>
+                </a:solidFill>
+                <a:latin typeface="+mn-lt"/>
+              </a:defRPr>
+            </a:lvl9pPr>
+          </a:lstStyle>
+          <a:p>
+            <a:pPr marL="0" indent="0" algn="ctr">
+              <a:buFontTx/>
+              <a:buNone/>
+            </a:pPr>
+            <a:r>
+              <a:rPr lang="pl-PL" sz="2400" kern="0" dirty="0" err="1"/>
+              <a:t>Person.prot</a:t>
+            </a:r>
+            <a:endParaRPr lang="en-GB" sz="2400" kern="0" dirty="0"/>
+          </a:p>
+        </p:txBody>
+      </p:sp>
+      <p:sp>
+        <p:nvSpPr>
+          <p:cNvPr id="15" name="Strzałka: w prawo 14">
+            <a:extLst>
+              <a:ext uri="{FF2B5EF4-FFF2-40B4-BE49-F238E27FC236}">
+                <a16:creationId xmlns:a16="http://schemas.microsoft.com/office/drawing/2014/main" id="{17D8ADEC-D0DC-4654-8B1F-FB7686225036}"/>
+              </a:ext>
+            </a:extLst>
+          </p:cNvPr>
+          <p:cNvSpPr/>
+          <p:nvPr/>
+        </p:nvSpPr>
+        <p:spPr>
+          <a:xfrm>
+            <a:off x="3203848" y="5140232"/>
+            <a:ext cx="2880320" cy="252028"/>
+          </a:xfrm>
+          <a:prstGeom prst="rightArrow">
+            <a:avLst/>
+          </a:prstGeom>
+        </p:spPr>
+        <p:style>
+          <a:lnRef idx="2">
+            <a:schemeClr val="accent6">
+              <a:shade val="50000"/>
+            </a:schemeClr>
+          </a:lnRef>
+          <a:fillRef idx="1">
+            <a:schemeClr val="accent6"/>
+          </a:fillRef>
+          <a:effectRef idx="0">
+            <a:schemeClr val="accent6"/>
+          </a:effectRef>
+          <a:fontRef idx="minor">
+            <a:schemeClr val="lt1"/>
+          </a:fontRef>
+        </p:style>
+        <p:txBody>
+          <a:bodyPr rtlCol="0" anchor="ctr"/>
+          <a:lstStyle/>
+          <a:p>
+            <a:pPr algn="ctr"/>
+            <a:endParaRPr lang="en-GB"/>
+          </a:p>
+        </p:txBody>
+      </p:sp>
+      <p:sp>
+        <p:nvSpPr>
+          <p:cNvPr id="16" name="Symbol zastępczy zawartości 4">
+            <a:extLst>
+              <a:ext uri="{FF2B5EF4-FFF2-40B4-BE49-F238E27FC236}">
+                <a16:creationId xmlns:a16="http://schemas.microsoft.com/office/drawing/2014/main" id="{FFDDB702-8062-4B43-A1AA-143ACDEE0341}"/>
+              </a:ext>
+            </a:extLst>
+          </p:cNvPr>
+          <p:cNvSpPr txBox="1">
+            <a:spLocks/>
+          </p:cNvSpPr>
+          <p:nvPr/>
+        </p:nvSpPr>
+        <p:spPr bwMode="auto">
+          <a:xfrm>
+            <a:off x="6167674" y="5028972"/>
+            <a:ext cx="2880320" cy="504056"/>
+          </a:xfrm>
+          <a:prstGeom prst="rect">
+            <a:avLst/>
+          </a:prstGeom>
+          <a:noFill/>
+          <a:ln>
+            <a:noFill/>
+          </a:ln>
+          <a:effectLst/>
+          <a:extLst>
+            <a:ext uri="{909E8E84-426E-40DD-AFC4-6F175D3DCCD1}">
+              <a14:hiddenFill xmlns:a14="http://schemas.microsoft.com/office/drawing/2010/main">
+                <a:solidFill>
+                  <a:schemeClr val="accent1"/>
+                </a:solidFill>
+              </a14:hiddenFill>
+            </a:ext>
+            <a:ext uri="{91240B29-F687-4F45-9708-019B960494DF}">
+              <a14:hiddenLine xmlns:a14="http://schemas.microsoft.com/office/drawing/2010/main" w="9525">
+                <a:solidFill>
+                  <a:schemeClr val="tx1"/>
+                </a:solidFill>
+                <a:miter lim="800000"/>
+                <a:headEnd/>
+                <a:tailEnd/>
+              </a14:hiddenLine>
+            </a:ext>
+            <a:ext uri="{AF507438-7753-43E0-B8FC-AC1667EBCBE1}">
+              <a14:hiddenEffects xmlns:a14="http://schemas.microsoft.com/office/drawing/2010/main">
+                <a:effectLst>
+                  <a:outerShdw dist="35921" dir="2700000" algn="ctr" rotWithShape="0">
+                    <a:schemeClr val="bg2"/>
+                  </a:outerShdw>
+                </a:effectLst>
+              </a14:hiddenEffects>
+            </a:ext>
+          </a:extLst>
+        </p:spPr>
+        <p:txBody>
+          <a:bodyPr vert="horz" wrap="square" lIns="0" tIns="45720" rIns="0" bIns="45720" numCol="1" anchor="t" anchorCtr="0" compatLnSpc="1">
+            <a:prstTxWarp prst="textNoShape">
+              <a:avLst/>
+            </a:prstTxWarp>
+          </a:bodyPr>
+          <a:lstStyle>
+            <a:lvl1pPr marL="342900" indent="-342900" algn="l" rtl="0" eaLnBrk="1" fontAlgn="base" hangingPunct="1">
+              <a:spcBef>
+                <a:spcPct val="20000"/>
+              </a:spcBef>
+              <a:spcAft>
+                <a:spcPct val="0"/>
+              </a:spcAft>
+              <a:buChar char="•"/>
+              <a:defRPr sz="2800">
+                <a:solidFill>
+                  <a:schemeClr val="tx1"/>
+                </a:solidFill>
+                <a:latin typeface="Calibri" panose="020F0502020204030204" pitchFamily="34" charset="0"/>
+                <a:ea typeface="+mn-ea"/>
+                <a:cs typeface="+mn-cs"/>
+              </a:defRPr>
+            </a:lvl1pPr>
+            <a:lvl2pPr marL="742950" indent="-285750" algn="l" rtl="0" eaLnBrk="1" fontAlgn="base" hangingPunct="1">
+              <a:spcBef>
+                <a:spcPct val="20000"/>
+              </a:spcBef>
+              <a:spcAft>
+                <a:spcPct val="0"/>
+              </a:spcAft>
+              <a:buChar char="–"/>
+              <a:defRPr sz="2400">
+                <a:solidFill>
+                  <a:schemeClr val="tx1"/>
+                </a:solidFill>
+                <a:latin typeface="Calibri" panose="020F0502020204030204" pitchFamily="34" charset="0"/>
+              </a:defRPr>
+            </a:lvl2pPr>
+            <a:lvl3pPr marL="1143000" indent="-228600" algn="l" rtl="0" eaLnBrk="1" fontAlgn="base" hangingPunct="1">
+              <a:spcBef>
+                <a:spcPct val="20000"/>
+              </a:spcBef>
+              <a:spcAft>
+                <a:spcPct val="0"/>
+              </a:spcAft>
+              <a:buChar char="•"/>
+              <a:defRPr sz="2000">
+                <a:solidFill>
+                  <a:schemeClr val="tx1"/>
+                </a:solidFill>
+                <a:latin typeface="Calibri" panose="020F0502020204030204" pitchFamily="34" charset="0"/>
+              </a:defRPr>
+            </a:lvl3pPr>
+            <a:lvl4pPr marL="1600200" indent="-228600" algn="l" rtl="0" eaLnBrk="1" fontAlgn="base" hangingPunct="1">
+              <a:spcBef>
+                <a:spcPct val="20000"/>
+              </a:spcBef>
+              <a:spcAft>
+                <a:spcPct val="0"/>
+              </a:spcAft>
+              <a:buChar char="–"/>
+              <a:defRPr sz="1800">
+                <a:solidFill>
+                  <a:schemeClr val="tx1"/>
+                </a:solidFill>
+                <a:latin typeface="Calibri" panose="020F0502020204030204" pitchFamily="34" charset="0"/>
+              </a:defRPr>
+            </a:lvl4pPr>
+            <a:lvl5pPr marL="2057400" indent="-228600" algn="l" rtl="0" eaLnBrk="1" fontAlgn="base" hangingPunct="1">
+              <a:spcBef>
+                <a:spcPct val="20000"/>
+              </a:spcBef>
+              <a:spcAft>
+                <a:spcPct val="0"/>
+              </a:spcAft>
+              <a:buChar char="»"/>
+              <a:defRPr sz="1800">
+                <a:solidFill>
+                  <a:schemeClr val="tx1"/>
+                </a:solidFill>
+                <a:latin typeface="Calibri" panose="020F0502020204030204" pitchFamily="34" charset="0"/>
+              </a:defRPr>
+            </a:lvl5pPr>
+            <a:lvl6pPr marL="2514600" indent="-228600" algn="l" rtl="0" eaLnBrk="1" fontAlgn="base" hangingPunct="1">
+              <a:spcBef>
+                <a:spcPct val="20000"/>
+              </a:spcBef>
+              <a:spcAft>
+                <a:spcPct val="0"/>
+              </a:spcAft>
+              <a:buChar char="»"/>
+              <a:defRPr sz="1800">
+                <a:solidFill>
+                  <a:schemeClr val="tx1"/>
+                </a:solidFill>
+                <a:latin typeface="+mn-lt"/>
+              </a:defRPr>
+            </a:lvl6pPr>
+            <a:lvl7pPr marL="2971800" indent="-228600" algn="l" rtl="0" eaLnBrk="1" fontAlgn="base" hangingPunct="1">
+              <a:spcBef>
+                <a:spcPct val="20000"/>
+              </a:spcBef>
+              <a:spcAft>
+                <a:spcPct val="0"/>
+              </a:spcAft>
+              <a:buChar char="»"/>
+              <a:defRPr sz="1800">
+                <a:solidFill>
+                  <a:schemeClr val="tx1"/>
+                </a:solidFill>
+                <a:latin typeface="+mn-lt"/>
+              </a:defRPr>
+            </a:lvl7pPr>
+            <a:lvl8pPr marL="3429000" indent="-228600" algn="l" rtl="0" eaLnBrk="1" fontAlgn="base" hangingPunct="1">
+              <a:spcBef>
+                <a:spcPct val="20000"/>
+              </a:spcBef>
+              <a:spcAft>
+                <a:spcPct val="0"/>
+              </a:spcAft>
+              <a:buChar char="»"/>
+              <a:defRPr sz="1800">
+                <a:solidFill>
+                  <a:schemeClr val="tx1"/>
+                </a:solidFill>
+                <a:latin typeface="+mn-lt"/>
+              </a:defRPr>
+            </a:lvl8pPr>
+            <a:lvl9pPr marL="3886200" indent="-228600" algn="l" rtl="0" eaLnBrk="1" fontAlgn="base" hangingPunct="1">
+              <a:spcBef>
+                <a:spcPct val="20000"/>
+              </a:spcBef>
+              <a:spcAft>
+                <a:spcPct val="0"/>
+              </a:spcAft>
+              <a:buChar char="»"/>
+              <a:defRPr sz="1800">
+                <a:solidFill>
+                  <a:schemeClr val="tx1"/>
+                </a:solidFill>
+                <a:latin typeface="+mn-lt"/>
+              </a:defRPr>
+            </a:lvl9pPr>
+          </a:lstStyle>
+          <a:p>
+            <a:pPr marL="0" indent="0" algn="ctr">
+              <a:buFontTx/>
+              <a:buNone/>
+            </a:pPr>
+            <a:r>
+              <a:rPr lang="pl-PL" sz="2400" kern="0" dirty="0"/>
+              <a:t>Person_pb2.py</a:t>
+            </a:r>
+            <a:endParaRPr lang="en-GB" sz="2400" kern="0" dirty="0"/>
+          </a:p>
+        </p:txBody>
+      </p:sp>
+      <p:sp>
+        <p:nvSpPr>
+          <p:cNvPr id="17" name="Symbol zastępczy zawartości 4">
+            <a:extLst>
+              <a:ext uri="{FF2B5EF4-FFF2-40B4-BE49-F238E27FC236}">
+                <a16:creationId xmlns:a16="http://schemas.microsoft.com/office/drawing/2014/main" id="{252F9F27-A5B4-43B5-A02F-6BEDD3762C33}"/>
+              </a:ext>
+            </a:extLst>
+          </p:cNvPr>
+          <p:cNvSpPr txBox="1">
+            <a:spLocks/>
+          </p:cNvSpPr>
+          <p:nvPr/>
+        </p:nvSpPr>
+        <p:spPr bwMode="auto">
+          <a:xfrm>
+            <a:off x="755575" y="4276136"/>
+            <a:ext cx="8262476" cy="504056"/>
+          </a:xfrm>
+          <a:prstGeom prst="rect">
+            <a:avLst/>
+          </a:prstGeom>
+          <a:noFill/>
+          <a:ln>
+            <a:noFill/>
+          </a:ln>
+          <a:effectLst/>
+          <a:extLst>
+            <a:ext uri="{909E8E84-426E-40DD-AFC4-6F175D3DCCD1}">
+              <a14:hiddenFill xmlns:a14="http://schemas.microsoft.com/office/drawing/2010/main">
+                <a:solidFill>
+                  <a:schemeClr val="accent1"/>
+                </a:solidFill>
+              </a14:hiddenFill>
+            </a:ext>
+            <a:ext uri="{91240B29-F687-4F45-9708-019B960494DF}">
+              <a14:hiddenLine xmlns:a14="http://schemas.microsoft.com/office/drawing/2010/main" w="9525">
+                <a:solidFill>
+                  <a:schemeClr val="tx1"/>
+                </a:solidFill>
+                <a:miter lim="800000"/>
+                <a:headEnd/>
+                <a:tailEnd/>
+              </a14:hiddenLine>
+            </a:ext>
+            <a:ext uri="{AF507438-7753-43E0-B8FC-AC1667EBCBE1}">
+              <a14:hiddenEffects xmlns:a14="http://schemas.microsoft.com/office/drawing/2010/main">
+                <a:effectLst>
+                  <a:outerShdw dist="35921" dir="2700000" algn="ctr" rotWithShape="0">
+                    <a:schemeClr val="bg2"/>
+                  </a:outerShdw>
+                </a:effectLst>
+              </a14:hiddenEffects>
+            </a:ext>
+          </a:extLst>
+        </p:spPr>
+        <p:txBody>
+          <a:bodyPr vert="horz" wrap="square" lIns="0" tIns="45720" rIns="0" bIns="45720" numCol="1" anchor="t" anchorCtr="0" compatLnSpc="1">
+            <a:prstTxWarp prst="textNoShape">
+              <a:avLst/>
+            </a:prstTxWarp>
+          </a:bodyPr>
+          <a:lstStyle>
+            <a:lvl1pPr marL="342900" indent="-342900" algn="l" rtl="0" eaLnBrk="1" fontAlgn="base" hangingPunct="1">
+              <a:spcBef>
+                <a:spcPct val="20000"/>
+              </a:spcBef>
+              <a:spcAft>
+                <a:spcPct val="0"/>
+              </a:spcAft>
+              <a:buChar char="•"/>
+              <a:defRPr sz="2800">
+                <a:solidFill>
+                  <a:schemeClr val="tx1"/>
+                </a:solidFill>
+                <a:latin typeface="Calibri" panose="020F0502020204030204" pitchFamily="34" charset="0"/>
+                <a:ea typeface="+mn-ea"/>
+                <a:cs typeface="+mn-cs"/>
+              </a:defRPr>
+            </a:lvl1pPr>
+            <a:lvl2pPr marL="742950" indent="-285750" algn="l" rtl="0" eaLnBrk="1" fontAlgn="base" hangingPunct="1">
+              <a:spcBef>
+                <a:spcPct val="20000"/>
+              </a:spcBef>
+              <a:spcAft>
+                <a:spcPct val="0"/>
+              </a:spcAft>
+              <a:buChar char="–"/>
+              <a:defRPr sz="2400">
+                <a:solidFill>
+                  <a:schemeClr val="tx1"/>
+                </a:solidFill>
+                <a:latin typeface="Calibri" panose="020F0502020204030204" pitchFamily="34" charset="0"/>
+              </a:defRPr>
+            </a:lvl2pPr>
+            <a:lvl3pPr marL="1143000" indent="-228600" algn="l" rtl="0" eaLnBrk="1" fontAlgn="base" hangingPunct="1">
+              <a:spcBef>
+                <a:spcPct val="20000"/>
+              </a:spcBef>
+              <a:spcAft>
+                <a:spcPct val="0"/>
+              </a:spcAft>
+              <a:buChar char="•"/>
+              <a:defRPr sz="2000">
+                <a:solidFill>
+                  <a:schemeClr val="tx1"/>
+                </a:solidFill>
+                <a:latin typeface="Calibri" panose="020F0502020204030204" pitchFamily="34" charset="0"/>
+              </a:defRPr>
+            </a:lvl3pPr>
+            <a:lvl4pPr marL="1600200" indent="-228600" algn="l" rtl="0" eaLnBrk="1" fontAlgn="base" hangingPunct="1">
+              <a:spcBef>
+                <a:spcPct val="20000"/>
+              </a:spcBef>
+              <a:spcAft>
+                <a:spcPct val="0"/>
+              </a:spcAft>
+              <a:buChar char="–"/>
+              <a:defRPr sz="1800">
+                <a:solidFill>
+                  <a:schemeClr val="tx1"/>
+                </a:solidFill>
+                <a:latin typeface="Calibri" panose="020F0502020204030204" pitchFamily="34" charset="0"/>
+              </a:defRPr>
+            </a:lvl4pPr>
+            <a:lvl5pPr marL="2057400" indent="-228600" algn="l" rtl="0" eaLnBrk="1" fontAlgn="base" hangingPunct="1">
+              <a:spcBef>
+                <a:spcPct val="20000"/>
+              </a:spcBef>
+              <a:spcAft>
+                <a:spcPct val="0"/>
+              </a:spcAft>
+              <a:buChar char="»"/>
+              <a:defRPr sz="1800">
+                <a:solidFill>
+                  <a:schemeClr val="tx1"/>
+                </a:solidFill>
+                <a:latin typeface="Calibri" panose="020F0502020204030204" pitchFamily="34" charset="0"/>
+              </a:defRPr>
+            </a:lvl5pPr>
+            <a:lvl6pPr marL="2514600" indent="-228600" algn="l" rtl="0" eaLnBrk="1" fontAlgn="base" hangingPunct="1">
+              <a:spcBef>
+                <a:spcPct val="20000"/>
+              </a:spcBef>
+              <a:spcAft>
+                <a:spcPct val="0"/>
+              </a:spcAft>
+              <a:buChar char="»"/>
+              <a:defRPr sz="1800">
+                <a:solidFill>
+                  <a:schemeClr val="tx1"/>
+                </a:solidFill>
+                <a:latin typeface="+mn-lt"/>
+              </a:defRPr>
+            </a:lvl6pPr>
+            <a:lvl7pPr marL="2971800" indent="-228600" algn="l" rtl="0" eaLnBrk="1" fontAlgn="base" hangingPunct="1">
+              <a:spcBef>
+                <a:spcPct val="20000"/>
+              </a:spcBef>
+              <a:spcAft>
+                <a:spcPct val="0"/>
+              </a:spcAft>
+              <a:buChar char="»"/>
+              <a:defRPr sz="1800">
+                <a:solidFill>
+                  <a:schemeClr val="tx1"/>
+                </a:solidFill>
+                <a:latin typeface="+mn-lt"/>
+              </a:defRPr>
+            </a:lvl7pPr>
+            <a:lvl8pPr marL="3429000" indent="-228600" algn="l" rtl="0" eaLnBrk="1" fontAlgn="base" hangingPunct="1">
+              <a:spcBef>
+                <a:spcPct val="20000"/>
+              </a:spcBef>
+              <a:spcAft>
+                <a:spcPct val="0"/>
+              </a:spcAft>
+              <a:buChar char="»"/>
+              <a:defRPr sz="1800">
+                <a:solidFill>
+                  <a:schemeClr val="tx1"/>
+                </a:solidFill>
+                <a:latin typeface="+mn-lt"/>
+              </a:defRPr>
+            </a:lvl8pPr>
+            <a:lvl9pPr marL="3886200" indent="-228600" algn="l" rtl="0" eaLnBrk="1" fontAlgn="base" hangingPunct="1">
+              <a:spcBef>
+                <a:spcPct val="20000"/>
+              </a:spcBef>
+              <a:spcAft>
+                <a:spcPct val="0"/>
+              </a:spcAft>
+              <a:buChar char="»"/>
+              <a:defRPr sz="1800">
+                <a:solidFill>
+                  <a:schemeClr val="tx1"/>
+                </a:solidFill>
+                <a:latin typeface="+mn-lt"/>
+              </a:defRPr>
+            </a:lvl9pPr>
+          </a:lstStyle>
+          <a:p>
+            <a:pPr marL="0" indent="0" algn="ctr">
+              <a:buFontTx/>
+              <a:buNone/>
+            </a:pPr>
+            <a:r>
+              <a:rPr lang="pl-PL" kern="0" dirty="0" err="1"/>
+              <a:t>Python</a:t>
+            </a:r>
+            <a:endParaRPr lang="en-GB" kern="0" dirty="0"/>
+          </a:p>
+        </p:txBody>
+      </p:sp>
+      <p:sp>
+        <p:nvSpPr>
+          <p:cNvPr id="18" name="Symbol zastępczy zawartości 4">
+            <a:extLst>
+              <a:ext uri="{FF2B5EF4-FFF2-40B4-BE49-F238E27FC236}">
+                <a16:creationId xmlns:a16="http://schemas.microsoft.com/office/drawing/2014/main" id="{615DDF91-84B4-4EBF-871D-E3EB017AADA7}"/>
+              </a:ext>
+            </a:extLst>
+          </p:cNvPr>
+          <p:cNvSpPr txBox="1">
+            <a:spLocks/>
+          </p:cNvSpPr>
+          <p:nvPr/>
+        </p:nvSpPr>
+        <p:spPr bwMode="auto">
+          <a:xfrm>
+            <a:off x="1513664" y="2881058"/>
+            <a:ext cx="6746298" cy="894270"/>
+          </a:xfrm>
+          <a:prstGeom prst="rect">
+            <a:avLst/>
+          </a:prstGeom>
+          <a:noFill/>
+          <a:ln>
+            <a:noFill/>
+          </a:ln>
+          <a:effectLst/>
+          <a:extLst>
+            <a:ext uri="{909E8E84-426E-40DD-AFC4-6F175D3DCCD1}">
+              <a14:hiddenFill xmlns:a14="http://schemas.microsoft.com/office/drawing/2010/main">
+                <a:solidFill>
+                  <a:schemeClr val="accent1"/>
+                </a:solidFill>
+              </a14:hiddenFill>
+            </a:ext>
+            <a:ext uri="{91240B29-F687-4F45-9708-019B960494DF}">
+              <a14:hiddenLine xmlns:a14="http://schemas.microsoft.com/office/drawing/2010/main" w="9525">
+                <a:solidFill>
+                  <a:schemeClr val="tx1"/>
+                </a:solidFill>
+                <a:miter lim="800000"/>
+                <a:headEnd/>
+                <a:tailEnd/>
+              </a14:hiddenLine>
+            </a:ext>
+            <a:ext uri="{AF507438-7753-43E0-B8FC-AC1667EBCBE1}">
+              <a14:hiddenEffects xmlns:a14="http://schemas.microsoft.com/office/drawing/2010/main">
+                <a:effectLst>
+                  <a:outerShdw dist="35921" dir="2700000" algn="ctr" rotWithShape="0">
+                    <a:schemeClr val="bg2"/>
+                  </a:outerShdw>
+                </a:effectLst>
+              </a14:hiddenEffects>
+            </a:ext>
+          </a:extLst>
+        </p:spPr>
+        <p:txBody>
+          <a:bodyPr vert="horz" wrap="square" lIns="0" tIns="45720" rIns="0" bIns="45720" numCol="1" anchor="t" anchorCtr="0" compatLnSpc="1">
+            <a:prstTxWarp prst="textNoShape">
+              <a:avLst/>
+            </a:prstTxWarp>
+          </a:bodyPr>
+          <a:lstStyle>
+            <a:lvl1pPr marL="342900" indent="-342900" algn="l" rtl="0" eaLnBrk="1" fontAlgn="base" hangingPunct="1">
+              <a:spcBef>
+                <a:spcPct val="20000"/>
+              </a:spcBef>
+              <a:spcAft>
+                <a:spcPct val="0"/>
+              </a:spcAft>
+              <a:buChar char="•"/>
+              <a:defRPr sz="2800">
+                <a:solidFill>
+                  <a:schemeClr val="tx1"/>
+                </a:solidFill>
+                <a:latin typeface="Calibri" panose="020F0502020204030204" pitchFamily="34" charset="0"/>
+                <a:ea typeface="+mn-ea"/>
+                <a:cs typeface="+mn-cs"/>
+              </a:defRPr>
+            </a:lvl1pPr>
+            <a:lvl2pPr marL="742950" indent="-285750" algn="l" rtl="0" eaLnBrk="1" fontAlgn="base" hangingPunct="1">
+              <a:spcBef>
+                <a:spcPct val="20000"/>
+              </a:spcBef>
+              <a:spcAft>
+                <a:spcPct val="0"/>
+              </a:spcAft>
+              <a:buChar char="–"/>
+              <a:defRPr sz="2400">
+                <a:solidFill>
+                  <a:schemeClr val="tx1"/>
+                </a:solidFill>
+                <a:latin typeface="Calibri" panose="020F0502020204030204" pitchFamily="34" charset="0"/>
+              </a:defRPr>
+            </a:lvl2pPr>
+            <a:lvl3pPr marL="1143000" indent="-228600" algn="l" rtl="0" eaLnBrk="1" fontAlgn="base" hangingPunct="1">
+              <a:spcBef>
+                <a:spcPct val="20000"/>
+              </a:spcBef>
+              <a:spcAft>
+                <a:spcPct val="0"/>
+              </a:spcAft>
+              <a:buChar char="•"/>
+              <a:defRPr sz="2000">
+                <a:solidFill>
+                  <a:schemeClr val="tx1"/>
+                </a:solidFill>
+                <a:latin typeface="Calibri" panose="020F0502020204030204" pitchFamily="34" charset="0"/>
+              </a:defRPr>
+            </a:lvl3pPr>
+            <a:lvl4pPr marL="1600200" indent="-228600" algn="l" rtl="0" eaLnBrk="1" fontAlgn="base" hangingPunct="1">
+              <a:spcBef>
+                <a:spcPct val="20000"/>
+              </a:spcBef>
+              <a:spcAft>
+                <a:spcPct val="0"/>
+              </a:spcAft>
+              <a:buChar char="–"/>
+              <a:defRPr sz="1800">
+                <a:solidFill>
+                  <a:schemeClr val="tx1"/>
+                </a:solidFill>
+                <a:latin typeface="Calibri" panose="020F0502020204030204" pitchFamily="34" charset="0"/>
+              </a:defRPr>
+            </a:lvl4pPr>
+            <a:lvl5pPr marL="2057400" indent="-228600" algn="l" rtl="0" eaLnBrk="1" fontAlgn="base" hangingPunct="1">
+              <a:spcBef>
+                <a:spcPct val="20000"/>
+              </a:spcBef>
+              <a:spcAft>
+                <a:spcPct val="0"/>
+              </a:spcAft>
+              <a:buChar char="»"/>
+              <a:defRPr sz="1800">
+                <a:solidFill>
+                  <a:schemeClr val="tx1"/>
+                </a:solidFill>
+                <a:latin typeface="Calibri" panose="020F0502020204030204" pitchFamily="34" charset="0"/>
+              </a:defRPr>
+            </a:lvl5pPr>
+            <a:lvl6pPr marL="2514600" indent="-228600" algn="l" rtl="0" eaLnBrk="1" fontAlgn="base" hangingPunct="1">
+              <a:spcBef>
+                <a:spcPct val="20000"/>
+              </a:spcBef>
+              <a:spcAft>
+                <a:spcPct val="0"/>
+              </a:spcAft>
+              <a:buChar char="»"/>
+              <a:defRPr sz="1800">
+                <a:solidFill>
+                  <a:schemeClr val="tx1"/>
+                </a:solidFill>
+                <a:latin typeface="+mn-lt"/>
+              </a:defRPr>
+            </a:lvl6pPr>
+            <a:lvl7pPr marL="2971800" indent="-228600" algn="l" rtl="0" eaLnBrk="1" fontAlgn="base" hangingPunct="1">
+              <a:spcBef>
+                <a:spcPct val="20000"/>
+              </a:spcBef>
+              <a:spcAft>
+                <a:spcPct val="0"/>
+              </a:spcAft>
+              <a:buChar char="»"/>
+              <a:defRPr sz="1800">
+                <a:solidFill>
+                  <a:schemeClr val="tx1"/>
+                </a:solidFill>
+                <a:latin typeface="+mn-lt"/>
+              </a:defRPr>
+            </a:lvl7pPr>
+            <a:lvl8pPr marL="3429000" indent="-228600" algn="l" rtl="0" eaLnBrk="1" fontAlgn="base" hangingPunct="1">
+              <a:spcBef>
+                <a:spcPct val="20000"/>
+              </a:spcBef>
+              <a:spcAft>
+                <a:spcPct val="0"/>
+              </a:spcAft>
+              <a:buChar char="»"/>
+              <a:defRPr sz="1800">
+                <a:solidFill>
+                  <a:schemeClr val="tx1"/>
+                </a:solidFill>
+                <a:latin typeface="+mn-lt"/>
+              </a:defRPr>
+            </a:lvl8pPr>
+            <a:lvl9pPr marL="3886200" indent="-228600" algn="l" rtl="0" eaLnBrk="1" fontAlgn="base" hangingPunct="1">
+              <a:spcBef>
+                <a:spcPct val="20000"/>
+              </a:spcBef>
+              <a:spcAft>
+                <a:spcPct val="0"/>
+              </a:spcAft>
+              <a:buChar char="»"/>
+              <a:defRPr sz="1800">
+                <a:solidFill>
+                  <a:schemeClr val="tx1"/>
+                </a:solidFill>
+                <a:latin typeface="+mn-lt"/>
+              </a:defRPr>
+            </a:lvl9pPr>
+          </a:lstStyle>
+          <a:p>
+            <a:pPr marL="0" indent="0" algn="ctr">
+              <a:buNone/>
+            </a:pPr>
+            <a:r>
+              <a:rPr lang="en-GB" sz="2400" kern="0" dirty="0"/>
+              <a:t>From </a:t>
+            </a:r>
+            <a:r>
+              <a:rPr lang="en-GB" sz="2400" kern="0" dirty="0" err="1"/>
+              <a:t>Person.proto</a:t>
+            </a:r>
+            <a:r>
+              <a:rPr lang="en-GB" sz="2400" kern="0" dirty="0"/>
+              <a:t> file containing 15 lines of code, we obtain java classes containing about 1700 lines</a:t>
+            </a:r>
+          </a:p>
+        </p:txBody>
+      </p:sp>
+      <p:sp>
+        <p:nvSpPr>
+          <p:cNvPr id="23" name="Symbol zastępczy zawartości 4">
+            <a:extLst>
+              <a:ext uri="{FF2B5EF4-FFF2-40B4-BE49-F238E27FC236}">
+                <a16:creationId xmlns:a16="http://schemas.microsoft.com/office/drawing/2014/main" id="{3AEDC657-61B5-46DB-8AF5-13D865EC9EE1}"/>
+              </a:ext>
+            </a:extLst>
+          </p:cNvPr>
+          <p:cNvSpPr txBox="1">
+            <a:spLocks/>
+          </p:cNvSpPr>
+          <p:nvPr/>
+        </p:nvSpPr>
+        <p:spPr bwMode="auto">
+          <a:xfrm>
+            <a:off x="1503202" y="5644288"/>
+            <a:ext cx="6746298" cy="894270"/>
+          </a:xfrm>
+          <a:prstGeom prst="rect">
+            <a:avLst/>
+          </a:prstGeom>
+          <a:noFill/>
+          <a:ln>
+            <a:noFill/>
+          </a:ln>
+          <a:effectLst/>
+          <a:extLst>
+            <a:ext uri="{909E8E84-426E-40DD-AFC4-6F175D3DCCD1}">
+              <a14:hiddenFill xmlns:a14="http://schemas.microsoft.com/office/drawing/2010/main">
+                <a:solidFill>
+                  <a:schemeClr val="accent1"/>
+                </a:solidFill>
+              </a14:hiddenFill>
+            </a:ext>
+            <a:ext uri="{91240B29-F687-4F45-9708-019B960494DF}">
+              <a14:hiddenLine xmlns:a14="http://schemas.microsoft.com/office/drawing/2010/main" w="9525">
+                <a:solidFill>
+                  <a:schemeClr val="tx1"/>
+                </a:solidFill>
+                <a:miter lim="800000"/>
+                <a:headEnd/>
+                <a:tailEnd/>
+              </a14:hiddenLine>
+            </a:ext>
+            <a:ext uri="{AF507438-7753-43E0-B8FC-AC1667EBCBE1}">
+              <a14:hiddenEffects xmlns:a14="http://schemas.microsoft.com/office/drawing/2010/main">
+                <a:effectLst>
+                  <a:outerShdw dist="35921" dir="2700000" algn="ctr" rotWithShape="0">
+                    <a:schemeClr val="bg2"/>
+                  </a:outerShdw>
+                </a:effectLst>
+              </a14:hiddenEffects>
+            </a:ext>
+          </a:extLst>
+        </p:spPr>
+        <p:txBody>
+          <a:bodyPr vert="horz" wrap="square" lIns="0" tIns="45720" rIns="0" bIns="45720" numCol="1" anchor="t" anchorCtr="0" compatLnSpc="1">
+            <a:prstTxWarp prst="textNoShape">
+              <a:avLst/>
+            </a:prstTxWarp>
+          </a:bodyPr>
+          <a:lstStyle>
+            <a:lvl1pPr marL="342900" indent="-342900" algn="l" rtl="0" eaLnBrk="1" fontAlgn="base" hangingPunct="1">
+              <a:spcBef>
+                <a:spcPct val="20000"/>
+              </a:spcBef>
+              <a:spcAft>
+                <a:spcPct val="0"/>
+              </a:spcAft>
+              <a:buChar char="•"/>
+              <a:defRPr sz="2800">
+                <a:solidFill>
+                  <a:schemeClr val="tx1"/>
+                </a:solidFill>
+                <a:latin typeface="Calibri" panose="020F0502020204030204" pitchFamily="34" charset="0"/>
+                <a:ea typeface="+mn-ea"/>
+                <a:cs typeface="+mn-cs"/>
+              </a:defRPr>
+            </a:lvl1pPr>
+            <a:lvl2pPr marL="742950" indent="-285750" algn="l" rtl="0" eaLnBrk="1" fontAlgn="base" hangingPunct="1">
+              <a:spcBef>
+                <a:spcPct val="20000"/>
+              </a:spcBef>
+              <a:spcAft>
+                <a:spcPct val="0"/>
+              </a:spcAft>
+              <a:buChar char="–"/>
+              <a:defRPr sz="2400">
+                <a:solidFill>
+                  <a:schemeClr val="tx1"/>
+                </a:solidFill>
+                <a:latin typeface="Calibri" panose="020F0502020204030204" pitchFamily="34" charset="0"/>
+              </a:defRPr>
+            </a:lvl2pPr>
+            <a:lvl3pPr marL="1143000" indent="-228600" algn="l" rtl="0" eaLnBrk="1" fontAlgn="base" hangingPunct="1">
+              <a:spcBef>
+                <a:spcPct val="20000"/>
+              </a:spcBef>
+              <a:spcAft>
+                <a:spcPct val="0"/>
+              </a:spcAft>
+              <a:buChar char="•"/>
+              <a:defRPr sz="2000">
+                <a:solidFill>
+                  <a:schemeClr val="tx1"/>
+                </a:solidFill>
+                <a:latin typeface="Calibri" panose="020F0502020204030204" pitchFamily="34" charset="0"/>
+              </a:defRPr>
+            </a:lvl3pPr>
+            <a:lvl4pPr marL="1600200" indent="-228600" algn="l" rtl="0" eaLnBrk="1" fontAlgn="base" hangingPunct="1">
+              <a:spcBef>
+                <a:spcPct val="20000"/>
+              </a:spcBef>
+              <a:spcAft>
+                <a:spcPct val="0"/>
+              </a:spcAft>
+              <a:buChar char="–"/>
+              <a:defRPr sz="1800">
+                <a:solidFill>
+                  <a:schemeClr val="tx1"/>
+                </a:solidFill>
+                <a:latin typeface="Calibri" panose="020F0502020204030204" pitchFamily="34" charset="0"/>
+              </a:defRPr>
+            </a:lvl4pPr>
+            <a:lvl5pPr marL="2057400" indent="-228600" algn="l" rtl="0" eaLnBrk="1" fontAlgn="base" hangingPunct="1">
+              <a:spcBef>
+                <a:spcPct val="20000"/>
+              </a:spcBef>
+              <a:spcAft>
+                <a:spcPct val="0"/>
+              </a:spcAft>
+              <a:buChar char="»"/>
+              <a:defRPr sz="1800">
+                <a:solidFill>
+                  <a:schemeClr val="tx1"/>
+                </a:solidFill>
+                <a:latin typeface="Calibri" panose="020F0502020204030204" pitchFamily="34" charset="0"/>
+              </a:defRPr>
+            </a:lvl5pPr>
+            <a:lvl6pPr marL="2514600" indent="-228600" algn="l" rtl="0" eaLnBrk="1" fontAlgn="base" hangingPunct="1">
+              <a:spcBef>
+                <a:spcPct val="20000"/>
+              </a:spcBef>
+              <a:spcAft>
+                <a:spcPct val="0"/>
+              </a:spcAft>
+              <a:buChar char="»"/>
+              <a:defRPr sz="1800">
+                <a:solidFill>
+                  <a:schemeClr val="tx1"/>
+                </a:solidFill>
+                <a:latin typeface="+mn-lt"/>
+              </a:defRPr>
+            </a:lvl6pPr>
+            <a:lvl7pPr marL="2971800" indent="-228600" algn="l" rtl="0" eaLnBrk="1" fontAlgn="base" hangingPunct="1">
+              <a:spcBef>
+                <a:spcPct val="20000"/>
+              </a:spcBef>
+              <a:spcAft>
+                <a:spcPct val="0"/>
+              </a:spcAft>
+              <a:buChar char="»"/>
+              <a:defRPr sz="1800">
+                <a:solidFill>
+                  <a:schemeClr val="tx1"/>
+                </a:solidFill>
+                <a:latin typeface="+mn-lt"/>
+              </a:defRPr>
+            </a:lvl7pPr>
+            <a:lvl8pPr marL="3429000" indent="-228600" algn="l" rtl="0" eaLnBrk="1" fontAlgn="base" hangingPunct="1">
+              <a:spcBef>
+                <a:spcPct val="20000"/>
+              </a:spcBef>
+              <a:spcAft>
+                <a:spcPct val="0"/>
+              </a:spcAft>
+              <a:buChar char="»"/>
+              <a:defRPr sz="1800">
+                <a:solidFill>
+                  <a:schemeClr val="tx1"/>
+                </a:solidFill>
+                <a:latin typeface="+mn-lt"/>
+              </a:defRPr>
+            </a:lvl8pPr>
+            <a:lvl9pPr marL="3886200" indent="-228600" algn="l" rtl="0" eaLnBrk="1" fontAlgn="base" hangingPunct="1">
+              <a:spcBef>
+                <a:spcPct val="20000"/>
+              </a:spcBef>
+              <a:spcAft>
+                <a:spcPct val="0"/>
+              </a:spcAft>
+              <a:buChar char="»"/>
+              <a:defRPr sz="1800">
+                <a:solidFill>
+                  <a:schemeClr val="tx1"/>
+                </a:solidFill>
+                <a:latin typeface="+mn-lt"/>
+              </a:defRPr>
+            </a:lvl9pPr>
+          </a:lstStyle>
+          <a:p>
+            <a:pPr marL="0" indent="0" algn="ctr">
+              <a:buNone/>
+            </a:pPr>
+            <a:r>
+              <a:rPr lang="en-GB" sz="2400" kern="0" dirty="0"/>
+              <a:t>From </a:t>
+            </a:r>
+            <a:r>
+              <a:rPr lang="pl-PL" sz="2400" kern="0" dirty="0"/>
+              <a:t>same </a:t>
+            </a:r>
+            <a:r>
+              <a:rPr lang="en-GB" sz="2400" kern="0" dirty="0" err="1"/>
+              <a:t>Person.proto</a:t>
+            </a:r>
+            <a:r>
+              <a:rPr lang="en-GB" sz="2400" kern="0" dirty="0"/>
+              <a:t> file, we obtain python</a:t>
+            </a:r>
+            <a:r>
+              <a:rPr lang="pl-PL" sz="2400" kern="0" dirty="0"/>
+              <a:t> file </a:t>
+            </a:r>
+            <a:r>
+              <a:rPr lang="en-GB" sz="2400" kern="0" dirty="0"/>
+              <a:t>containing about </a:t>
+            </a:r>
+            <a:r>
+              <a:rPr lang="pl-PL" sz="2400" kern="0" dirty="0"/>
+              <a:t>130</a:t>
+            </a:r>
+            <a:r>
+              <a:rPr lang="en-GB" sz="2400" kern="0" dirty="0"/>
+              <a:t> lines</a:t>
+            </a:r>
+            <a:r>
+              <a:rPr lang="pl-PL" sz="2400" kern="0" dirty="0"/>
+              <a:t> </a:t>
+            </a:r>
+            <a:r>
+              <a:rPr lang="en-GB" sz="2400" kern="0" dirty="0"/>
+              <a:t>of code</a:t>
+            </a:r>
+          </a:p>
+        </p:txBody>
+      </p:sp>
+    </p:spTree>
+    <p:extLst>
+      <p:ext uri="{BB962C8B-B14F-4D97-AF65-F5344CB8AC3E}">
+        <p14:creationId xmlns:p14="http://schemas.microsoft.com/office/powerpoint/2010/main" val="1903096742"/>
+      </p:ext>
+    </p:extLst>
+  </p:cSld>
+  <p:clrMapOvr>
+    <a:masterClrMapping/>
+  </p:clrMapOvr>
+  <p:transition>
+    <p:randomBar/>
+  </p:transition>
+</p:sld>
+</file>
+
+<file path=ppt/slides/slide12.xml><?xml version="1.0" encoding="utf-8"?>
+<p:sld xmlns:a="http://schemas.openxmlformats.org/drawingml/2006/main" xmlns:r="http://schemas.openxmlformats.org/officeDocument/2006/relationships" xmlns:p="http://schemas.openxmlformats.org/presentationml/2006/main">
+  <p:cSld>
+    <p:spTree>
+      <p:nvGrpSpPr>
+        <p:cNvPr id="1" name=""/>
+        <p:cNvGrpSpPr/>
+        <p:nvPr/>
+      </p:nvGrpSpPr>
+      <p:grpSpPr>
+        <a:xfrm>
+          <a:off x="0" y="0"/>
+          <a:ext cx="0" cy="0"/>
+          <a:chOff x="0" y="0"/>
+          <a:chExt cx="0" cy="0"/>
+        </a:xfrm>
+      </p:grpSpPr>
       <p:sp>
         <p:nvSpPr>
           <p:cNvPr id="2" name="Symbol zastępczy tekstu 1">
@@ -5161,7 +6947,212 @@
             <a:pPr algn="ctr"/>
             <a:r>
               <a:rPr lang="en-GB" dirty="0"/>
-              <a:t>Sources</a:t>
+              <a:t>Example</a:t>
+            </a:r>
+            <a:r>
+              <a:rPr lang="pl-PL" dirty="0"/>
+              <a:t>: Java</a:t>
+            </a:r>
+            <a:endParaRPr lang="en-GB" dirty="0"/>
+          </a:p>
+        </p:txBody>
+      </p:sp>
+      <p:sp>
+        <p:nvSpPr>
+          <p:cNvPr id="6" name="Prostokąt 5">
+            <a:extLst>
+              <a:ext uri="{FF2B5EF4-FFF2-40B4-BE49-F238E27FC236}">
+                <a16:creationId xmlns:a16="http://schemas.microsoft.com/office/drawing/2014/main" id="{7B4106AB-0A21-4A64-8767-E542AE1071A7}"/>
+              </a:ext>
+            </a:extLst>
+          </p:cNvPr>
+          <p:cNvSpPr/>
+          <p:nvPr/>
+        </p:nvSpPr>
+        <p:spPr>
+          <a:xfrm>
+            <a:off x="1187624" y="2413337"/>
+            <a:ext cx="7071207" cy="2031325"/>
+          </a:xfrm>
+          <a:prstGeom prst="rect">
+            <a:avLst/>
+          </a:prstGeom>
+        </p:spPr>
+        <p:txBody>
+          <a:bodyPr wrap="square">
+            <a:spAutoFit/>
+          </a:bodyPr>
+          <a:lstStyle/>
+          <a:p>
+            <a:r>
+              <a:rPr lang="en-GB" dirty="0">
+                <a:latin typeface="Consolas" panose="020B0609020204030204" pitchFamily="49" charset="0"/>
+              </a:rPr>
+              <a:t> </a:t>
+            </a:r>
+            <a:r>
+              <a:rPr lang="en-GB" dirty="0" err="1">
+                <a:latin typeface="Consolas" panose="020B0609020204030204" pitchFamily="49" charset="0"/>
+              </a:rPr>
+              <a:t>PeopleMessage.Person</a:t>
+            </a:r>
+            <a:r>
+              <a:rPr lang="en-GB" dirty="0">
+                <a:latin typeface="Consolas" panose="020B0609020204030204" pitchFamily="49" charset="0"/>
+              </a:rPr>
+              <a:t> person =</a:t>
+            </a:r>
+          </a:p>
+          <a:p>
+            <a:r>
+              <a:rPr lang="en-GB" dirty="0">
+                <a:latin typeface="Consolas" panose="020B0609020204030204" pitchFamily="49" charset="0"/>
+              </a:rPr>
+              <a:t>                </a:t>
+            </a:r>
+            <a:r>
+              <a:rPr lang="en-GB" dirty="0" err="1">
+                <a:latin typeface="Consolas" panose="020B0609020204030204" pitchFamily="49" charset="0"/>
+              </a:rPr>
+              <a:t>PeopleMessage.Person.newBuilder</a:t>
+            </a:r>
+            <a:r>
+              <a:rPr lang="en-GB" dirty="0">
+                <a:latin typeface="Consolas" panose="020B0609020204030204" pitchFamily="49" charset="0"/>
+              </a:rPr>
+              <a:t>()</a:t>
+            </a:r>
+          </a:p>
+          <a:p>
+            <a:r>
+              <a:rPr lang="en-GB" dirty="0">
+                <a:latin typeface="Consolas" panose="020B0609020204030204" pitchFamily="49" charset="0"/>
+              </a:rPr>
+              <a:t>                        .</a:t>
+            </a:r>
+            <a:r>
+              <a:rPr lang="en-GB" dirty="0" err="1">
+                <a:latin typeface="Consolas" panose="020B0609020204030204" pitchFamily="49" charset="0"/>
+              </a:rPr>
+              <a:t>setFName</a:t>
+            </a:r>
+            <a:r>
+              <a:rPr lang="en-GB" dirty="0">
+                <a:latin typeface="Consolas" panose="020B0609020204030204" pitchFamily="49" charset="0"/>
+              </a:rPr>
+              <a:t>("Bill")</a:t>
+            </a:r>
+          </a:p>
+          <a:p>
+            <a:r>
+              <a:rPr lang="en-GB" dirty="0">
+                <a:latin typeface="Consolas" panose="020B0609020204030204" pitchFamily="49" charset="0"/>
+              </a:rPr>
+              <a:t>                        .</a:t>
+            </a:r>
+            <a:r>
+              <a:rPr lang="en-GB" dirty="0" err="1">
+                <a:latin typeface="Consolas" panose="020B0609020204030204" pitchFamily="49" charset="0"/>
+              </a:rPr>
+              <a:t>setLName</a:t>
+            </a:r>
+            <a:r>
+              <a:rPr lang="en-GB" dirty="0">
+                <a:latin typeface="Consolas" panose="020B0609020204030204" pitchFamily="49" charset="0"/>
+              </a:rPr>
+              <a:t>("Gates")</a:t>
+            </a:r>
+          </a:p>
+          <a:p>
+            <a:r>
+              <a:rPr lang="en-GB" dirty="0">
+                <a:latin typeface="Consolas" panose="020B0609020204030204" pitchFamily="49" charset="0"/>
+              </a:rPr>
+              <a:t>                        .</a:t>
+            </a:r>
+            <a:r>
+              <a:rPr lang="en-GB" dirty="0" err="1">
+                <a:latin typeface="Consolas" panose="020B0609020204030204" pitchFamily="49" charset="0"/>
+              </a:rPr>
+              <a:t>setAge</a:t>
+            </a:r>
+            <a:r>
+              <a:rPr lang="en-GB" dirty="0">
+                <a:latin typeface="Consolas" panose="020B0609020204030204" pitchFamily="49" charset="0"/>
+              </a:rPr>
+              <a:t>(64)</a:t>
+            </a:r>
+          </a:p>
+          <a:p>
+            <a:r>
+              <a:rPr lang="en-GB" dirty="0">
+                <a:latin typeface="Consolas" panose="020B0609020204030204" pitchFamily="49" charset="0"/>
+              </a:rPr>
+              <a:t>                        .</a:t>
+            </a:r>
+            <a:r>
+              <a:rPr lang="en-GB" dirty="0" err="1">
+                <a:latin typeface="Consolas" panose="020B0609020204030204" pitchFamily="49" charset="0"/>
+              </a:rPr>
+              <a:t>setIsFamous</a:t>
+            </a:r>
+            <a:r>
+              <a:rPr lang="en-GB" dirty="0">
+                <a:latin typeface="Consolas" panose="020B0609020204030204" pitchFamily="49" charset="0"/>
+              </a:rPr>
+              <a:t>(true)</a:t>
+            </a:r>
+          </a:p>
+          <a:p>
+            <a:r>
+              <a:rPr lang="en-GB" dirty="0">
+                <a:latin typeface="Consolas" panose="020B0609020204030204" pitchFamily="49" charset="0"/>
+              </a:rPr>
+              <a:t>                        .build();</a:t>
+            </a:r>
+          </a:p>
+        </p:txBody>
+      </p:sp>
+      <p:sp>
+        <p:nvSpPr>
+          <p:cNvPr id="7" name="Symbol zastępczy zawartości 4">
+            <a:extLst>
+              <a:ext uri="{FF2B5EF4-FFF2-40B4-BE49-F238E27FC236}">
+                <a16:creationId xmlns:a16="http://schemas.microsoft.com/office/drawing/2014/main" id="{78F6EC57-51F6-43E4-A67F-F1145524F222}"/>
+              </a:ext>
+            </a:extLst>
+          </p:cNvPr>
+          <p:cNvSpPr>
+            <a:spLocks noGrp="1"/>
+          </p:cNvSpPr>
+          <p:nvPr>
+            <p:ph sz="half" idx="1"/>
+          </p:nvPr>
+        </p:nvSpPr>
+        <p:spPr>
+          <a:xfrm>
+            <a:off x="755575" y="1556792"/>
+            <a:ext cx="8262476" cy="504056"/>
+          </a:xfrm>
+        </p:spPr>
+        <p:txBody>
+          <a:bodyPr/>
+          <a:lstStyle/>
+          <a:p>
+            <a:pPr marL="0" indent="0" algn="ctr">
+              <a:buNone/>
+            </a:pPr>
+            <a:r>
+              <a:rPr lang="en-US" dirty="0"/>
+              <a:t>Creating </a:t>
+            </a:r>
+            <a:r>
+              <a:rPr lang="pl-PL" dirty="0"/>
+              <a:t>Person </a:t>
+            </a:r>
+            <a:r>
+              <a:rPr lang="en-US" dirty="0"/>
+              <a:t>instance with builder</a:t>
             </a:r>
           </a:p>
         </p:txBody>
@@ -5169,7 +7160,1572 @@
     </p:spTree>
     <p:extLst>
       <p:ext uri="{BB962C8B-B14F-4D97-AF65-F5344CB8AC3E}">
-        <p14:creationId xmlns:p14="http://schemas.microsoft.com/office/powerpoint/2010/main" val="4260924228"/>
+        <p14:creationId xmlns:p14="http://schemas.microsoft.com/office/powerpoint/2010/main" val="51457630"/>
+      </p:ext>
+    </p:extLst>
+  </p:cSld>
+  <p:clrMapOvr>
+    <a:masterClrMapping/>
+  </p:clrMapOvr>
+  <p:transition>
+    <p:randomBar/>
+  </p:transition>
+</p:sld>
+</file>
+
+<file path=ppt/slides/slide13.xml><?xml version="1.0" encoding="utf-8"?>
+<p:sld xmlns:a="http://schemas.openxmlformats.org/drawingml/2006/main" xmlns:r="http://schemas.openxmlformats.org/officeDocument/2006/relationships" xmlns:p="http://schemas.openxmlformats.org/presentationml/2006/main">
+  <p:cSld>
+    <p:spTree>
+      <p:nvGrpSpPr>
+        <p:cNvPr id="1" name=""/>
+        <p:cNvGrpSpPr/>
+        <p:nvPr/>
+      </p:nvGrpSpPr>
+      <p:grpSpPr>
+        <a:xfrm>
+          <a:off x="0" y="0"/>
+          <a:ext cx="0" cy="0"/>
+          <a:chOff x="0" y="0"/>
+          <a:chExt cx="0" cy="0"/>
+        </a:xfrm>
+      </p:grpSpPr>
+      <p:sp>
+        <p:nvSpPr>
+          <p:cNvPr id="2" name="Symbol zastępczy tekstu 1">
+            <a:extLst>
+              <a:ext uri="{FF2B5EF4-FFF2-40B4-BE49-F238E27FC236}">
+                <a16:creationId xmlns:a16="http://schemas.microsoft.com/office/drawing/2014/main" id="{365C45AE-4F0B-4814-ADFC-BBF76DB0C703}"/>
+              </a:ext>
+            </a:extLst>
+          </p:cNvPr>
+          <p:cNvSpPr>
+            <a:spLocks noGrp="1"/>
+          </p:cNvSpPr>
+          <p:nvPr>
+            <p:ph type="body" idx="11"/>
+          </p:nvPr>
+        </p:nvSpPr>
+        <p:spPr/>
+        <p:txBody>
+          <a:bodyPr/>
+          <a:lstStyle/>
+          <a:p>
+            <a:pPr algn="ctr"/>
+            <a:r>
+              <a:rPr lang="en-GB" dirty="0"/>
+              <a:t>Example</a:t>
+            </a:r>
+            <a:r>
+              <a:rPr lang="pl-PL" dirty="0"/>
+              <a:t>: Java</a:t>
+            </a:r>
+            <a:endParaRPr lang="en-GB" dirty="0"/>
+          </a:p>
+        </p:txBody>
+      </p:sp>
+      <p:sp>
+        <p:nvSpPr>
+          <p:cNvPr id="6" name="Prostokąt 5">
+            <a:extLst>
+              <a:ext uri="{FF2B5EF4-FFF2-40B4-BE49-F238E27FC236}">
+                <a16:creationId xmlns:a16="http://schemas.microsoft.com/office/drawing/2014/main" id="{7B4106AB-0A21-4A64-8767-E542AE1071A7}"/>
+              </a:ext>
+            </a:extLst>
+          </p:cNvPr>
+          <p:cNvSpPr/>
+          <p:nvPr/>
+        </p:nvSpPr>
+        <p:spPr>
+          <a:xfrm>
+            <a:off x="1187624" y="2413337"/>
+            <a:ext cx="7071207" cy="1754326"/>
+          </a:xfrm>
+          <a:prstGeom prst="rect">
+            <a:avLst/>
+          </a:prstGeom>
+        </p:spPr>
+        <p:txBody>
+          <a:bodyPr wrap="square">
+            <a:spAutoFit/>
+          </a:bodyPr>
+          <a:lstStyle/>
+          <a:p>
+            <a:r>
+              <a:rPr lang="en-GB" dirty="0">
+                <a:latin typeface="Consolas" panose="020B0609020204030204" pitchFamily="49" charset="0"/>
+              </a:rPr>
+              <a:t> </a:t>
+            </a:r>
+            <a:r>
+              <a:rPr lang="en-GB" dirty="0" err="1">
+                <a:latin typeface="Consolas" panose="020B0609020204030204" pitchFamily="49" charset="0"/>
+              </a:rPr>
+              <a:t>PeopleMessage.People</a:t>
+            </a:r>
+            <a:r>
+              <a:rPr lang="en-GB" dirty="0">
+                <a:latin typeface="Consolas" panose="020B0609020204030204" pitchFamily="49" charset="0"/>
+              </a:rPr>
+              <a:t> people =</a:t>
+            </a:r>
+          </a:p>
+          <a:p>
+            <a:r>
+              <a:rPr lang="en-GB" dirty="0">
+                <a:latin typeface="Consolas" panose="020B0609020204030204" pitchFamily="49" charset="0"/>
+              </a:rPr>
+              <a:t>                </a:t>
+            </a:r>
+            <a:r>
+              <a:rPr lang="en-GB" dirty="0" err="1">
+                <a:latin typeface="Consolas" panose="020B0609020204030204" pitchFamily="49" charset="0"/>
+              </a:rPr>
+              <a:t>PeopleMessage.People.newBuilder</a:t>
+            </a:r>
+            <a:r>
+              <a:rPr lang="en-GB" dirty="0">
+                <a:latin typeface="Consolas" panose="020B0609020204030204" pitchFamily="49" charset="0"/>
+              </a:rPr>
+              <a:t>()</a:t>
+            </a:r>
+          </a:p>
+          <a:p>
+            <a:r>
+              <a:rPr lang="en-GB" dirty="0">
+                <a:latin typeface="Consolas" panose="020B0609020204030204" pitchFamily="49" charset="0"/>
+              </a:rPr>
+              <a:t>                        .</a:t>
+            </a:r>
+            <a:r>
+              <a:rPr lang="en-GB" dirty="0" err="1">
+                <a:latin typeface="Consolas" panose="020B0609020204030204" pitchFamily="49" charset="0"/>
+              </a:rPr>
+              <a:t>addPerson</a:t>
+            </a:r>
+            <a:r>
+              <a:rPr lang="en-GB" dirty="0">
+                <a:latin typeface="Consolas" panose="020B0609020204030204" pitchFamily="49" charset="0"/>
+              </a:rPr>
+              <a:t>(person</a:t>
+            </a:r>
+            <a:r>
+              <a:rPr lang="pl-PL" dirty="0">
+                <a:latin typeface="Consolas" panose="020B0609020204030204" pitchFamily="49" charset="0"/>
+              </a:rPr>
+              <a:t>01</a:t>
+            </a:r>
+            <a:r>
+              <a:rPr lang="en-GB" dirty="0">
+                <a:latin typeface="Consolas" panose="020B0609020204030204" pitchFamily="49" charset="0"/>
+              </a:rPr>
+              <a:t>)</a:t>
+            </a:r>
+          </a:p>
+          <a:p>
+            <a:r>
+              <a:rPr lang="en-GB" dirty="0">
+                <a:latin typeface="Consolas" panose="020B0609020204030204" pitchFamily="49" charset="0"/>
+              </a:rPr>
+              <a:t>                        .</a:t>
+            </a:r>
+            <a:r>
+              <a:rPr lang="en-GB" dirty="0" err="1">
+                <a:latin typeface="Consolas" panose="020B0609020204030204" pitchFamily="49" charset="0"/>
+              </a:rPr>
+              <a:t>addPerson</a:t>
+            </a:r>
+            <a:r>
+              <a:rPr lang="en-GB" dirty="0">
+                <a:latin typeface="Consolas" panose="020B0609020204030204" pitchFamily="49" charset="0"/>
+              </a:rPr>
+              <a:t>(person</a:t>
+            </a:r>
+            <a:r>
+              <a:rPr lang="pl-PL" dirty="0">
+                <a:latin typeface="Consolas" panose="020B0609020204030204" pitchFamily="49" charset="0"/>
+              </a:rPr>
+              <a:t>02</a:t>
+            </a:r>
+            <a:r>
+              <a:rPr lang="en-GB" dirty="0">
+                <a:latin typeface="Consolas" panose="020B0609020204030204" pitchFamily="49" charset="0"/>
+              </a:rPr>
+              <a:t>)</a:t>
+            </a:r>
+          </a:p>
+          <a:p>
+            <a:r>
+              <a:rPr lang="en-GB" dirty="0">
+                <a:latin typeface="Consolas" panose="020B0609020204030204" pitchFamily="49" charset="0"/>
+              </a:rPr>
+              <a:t>                        .</a:t>
+            </a:r>
+            <a:r>
+              <a:rPr lang="en-GB" dirty="0" err="1">
+                <a:latin typeface="Consolas" panose="020B0609020204030204" pitchFamily="49" charset="0"/>
+              </a:rPr>
+              <a:t>addPerson</a:t>
+            </a:r>
+            <a:r>
+              <a:rPr lang="en-GB" dirty="0">
+                <a:latin typeface="Consolas" panose="020B0609020204030204" pitchFamily="49" charset="0"/>
+              </a:rPr>
+              <a:t>(person</a:t>
+            </a:r>
+            <a:r>
+              <a:rPr lang="pl-PL" dirty="0">
+                <a:latin typeface="Consolas" panose="020B0609020204030204" pitchFamily="49" charset="0"/>
+              </a:rPr>
+              <a:t>03</a:t>
+            </a:r>
+            <a:r>
+              <a:rPr lang="en-GB" dirty="0">
+                <a:latin typeface="Consolas" panose="020B0609020204030204" pitchFamily="49" charset="0"/>
+              </a:rPr>
+              <a:t>)</a:t>
+            </a:r>
+          </a:p>
+          <a:p>
+            <a:r>
+              <a:rPr lang="en-GB" dirty="0">
+                <a:latin typeface="Consolas" panose="020B0609020204030204" pitchFamily="49" charset="0"/>
+              </a:rPr>
+              <a:t>                        .build();</a:t>
+            </a:r>
+          </a:p>
+        </p:txBody>
+      </p:sp>
+      <p:sp>
+        <p:nvSpPr>
+          <p:cNvPr id="7" name="Symbol zastępczy zawartości 4">
+            <a:extLst>
+              <a:ext uri="{FF2B5EF4-FFF2-40B4-BE49-F238E27FC236}">
+                <a16:creationId xmlns:a16="http://schemas.microsoft.com/office/drawing/2014/main" id="{78F6EC57-51F6-43E4-A67F-F1145524F222}"/>
+              </a:ext>
+            </a:extLst>
+          </p:cNvPr>
+          <p:cNvSpPr>
+            <a:spLocks noGrp="1"/>
+          </p:cNvSpPr>
+          <p:nvPr>
+            <p:ph sz="half" idx="1"/>
+          </p:nvPr>
+        </p:nvSpPr>
+        <p:spPr>
+          <a:xfrm>
+            <a:off x="755575" y="1556792"/>
+            <a:ext cx="8262476" cy="504056"/>
+          </a:xfrm>
+        </p:spPr>
+        <p:txBody>
+          <a:bodyPr/>
+          <a:lstStyle/>
+          <a:p>
+            <a:pPr marL="0" indent="0" algn="ctr">
+              <a:buNone/>
+            </a:pPr>
+            <a:r>
+              <a:rPr lang="en-US" dirty="0"/>
+              <a:t>Creating </a:t>
+            </a:r>
+            <a:r>
+              <a:rPr lang="pl-PL" dirty="0"/>
+              <a:t>People </a:t>
+            </a:r>
+            <a:r>
+              <a:rPr lang="en-US" dirty="0"/>
+              <a:t>instance with builder</a:t>
+            </a:r>
+          </a:p>
+        </p:txBody>
+      </p:sp>
+    </p:spTree>
+    <p:extLst>
+      <p:ext uri="{BB962C8B-B14F-4D97-AF65-F5344CB8AC3E}">
+        <p14:creationId xmlns:p14="http://schemas.microsoft.com/office/powerpoint/2010/main" val="3117714069"/>
+      </p:ext>
+    </p:extLst>
+  </p:cSld>
+  <p:clrMapOvr>
+    <a:masterClrMapping/>
+  </p:clrMapOvr>
+  <p:transition>
+    <p:randomBar/>
+  </p:transition>
+</p:sld>
+</file>
+
+<file path=ppt/slides/slide14.xml><?xml version="1.0" encoding="utf-8"?>
+<p:sld xmlns:a="http://schemas.openxmlformats.org/drawingml/2006/main" xmlns:r="http://schemas.openxmlformats.org/officeDocument/2006/relationships" xmlns:p="http://schemas.openxmlformats.org/presentationml/2006/main">
+  <p:cSld>
+    <p:spTree>
+      <p:nvGrpSpPr>
+        <p:cNvPr id="1" name=""/>
+        <p:cNvGrpSpPr/>
+        <p:nvPr/>
+      </p:nvGrpSpPr>
+      <p:grpSpPr>
+        <a:xfrm>
+          <a:off x="0" y="0"/>
+          <a:ext cx="0" cy="0"/>
+          <a:chOff x="0" y="0"/>
+          <a:chExt cx="0" cy="0"/>
+        </a:xfrm>
+      </p:grpSpPr>
+      <p:sp>
+        <p:nvSpPr>
+          <p:cNvPr id="2" name="Symbol zastępczy tekstu 1">
+            <a:extLst>
+              <a:ext uri="{FF2B5EF4-FFF2-40B4-BE49-F238E27FC236}">
+                <a16:creationId xmlns:a16="http://schemas.microsoft.com/office/drawing/2014/main" id="{365C45AE-4F0B-4814-ADFC-BBF76DB0C703}"/>
+              </a:ext>
+            </a:extLst>
+          </p:cNvPr>
+          <p:cNvSpPr>
+            <a:spLocks noGrp="1"/>
+          </p:cNvSpPr>
+          <p:nvPr>
+            <p:ph type="body" idx="11"/>
+          </p:nvPr>
+        </p:nvSpPr>
+        <p:spPr/>
+        <p:txBody>
+          <a:bodyPr/>
+          <a:lstStyle/>
+          <a:p>
+            <a:pPr algn="ctr"/>
+            <a:r>
+              <a:rPr lang="en-GB" dirty="0"/>
+              <a:t>Example</a:t>
+            </a:r>
+            <a:r>
+              <a:rPr lang="pl-PL" dirty="0"/>
+              <a:t>: Java</a:t>
+            </a:r>
+            <a:endParaRPr lang="en-GB" dirty="0"/>
+          </a:p>
+        </p:txBody>
+      </p:sp>
+      <p:sp>
+        <p:nvSpPr>
+          <p:cNvPr id="6" name="Prostokąt 5">
+            <a:extLst>
+              <a:ext uri="{FF2B5EF4-FFF2-40B4-BE49-F238E27FC236}">
+                <a16:creationId xmlns:a16="http://schemas.microsoft.com/office/drawing/2014/main" id="{7B4106AB-0A21-4A64-8767-E542AE1071A7}"/>
+              </a:ext>
+            </a:extLst>
+          </p:cNvPr>
+          <p:cNvSpPr/>
+          <p:nvPr/>
+        </p:nvSpPr>
+        <p:spPr>
+          <a:xfrm>
+            <a:off x="1187625" y="2420888"/>
+            <a:ext cx="7191576" cy="646331"/>
+          </a:xfrm>
+          <a:prstGeom prst="rect">
+            <a:avLst/>
+          </a:prstGeom>
+        </p:spPr>
+        <p:txBody>
+          <a:bodyPr wrap="square">
+            <a:spAutoFit/>
+          </a:bodyPr>
+          <a:lstStyle/>
+          <a:p>
+            <a:r>
+              <a:rPr lang="en-GB" dirty="0" err="1">
+                <a:latin typeface="Consolas" panose="020B0609020204030204" pitchFamily="49" charset="0"/>
+              </a:rPr>
+              <a:t>FileOutputStream</a:t>
+            </a:r>
+            <a:r>
+              <a:rPr lang="en-GB" dirty="0">
+                <a:latin typeface="Consolas" panose="020B0609020204030204" pitchFamily="49" charset="0"/>
+              </a:rPr>
+              <a:t> </a:t>
+            </a:r>
+            <a:r>
+              <a:rPr lang="en-GB" dirty="0" err="1">
+                <a:latin typeface="Consolas" panose="020B0609020204030204" pitchFamily="49" charset="0"/>
+              </a:rPr>
+              <a:t>fos</a:t>
+            </a:r>
+            <a:r>
+              <a:rPr lang="en-GB" dirty="0">
+                <a:latin typeface="Consolas" panose="020B0609020204030204" pitchFamily="49" charset="0"/>
+              </a:rPr>
+              <a:t> = new </a:t>
+            </a:r>
+            <a:r>
+              <a:rPr lang="en-GB" dirty="0" err="1">
+                <a:latin typeface="Consolas" panose="020B0609020204030204" pitchFamily="49" charset="0"/>
+              </a:rPr>
+              <a:t>FileOutputStream</a:t>
+            </a:r>
+            <a:r>
+              <a:rPr lang="en-GB" dirty="0">
+                <a:latin typeface="Consolas" panose="020B0609020204030204" pitchFamily="49" charset="0"/>
+              </a:rPr>
+              <a:t>(</a:t>
+            </a:r>
+            <a:r>
+              <a:rPr lang="en-GB" dirty="0" err="1">
+                <a:latin typeface="Consolas" panose="020B0609020204030204" pitchFamily="49" charset="0"/>
+              </a:rPr>
+              <a:t>filePath</a:t>
+            </a:r>
+            <a:r>
+              <a:rPr lang="en-GB" dirty="0">
+                <a:latin typeface="Consolas" panose="020B0609020204030204" pitchFamily="49" charset="0"/>
+              </a:rPr>
+              <a:t>);</a:t>
+            </a:r>
+            <a:endParaRPr lang="pl-PL" dirty="0">
+              <a:latin typeface="Consolas" panose="020B0609020204030204" pitchFamily="49" charset="0"/>
+            </a:endParaRPr>
+          </a:p>
+          <a:p>
+            <a:r>
+              <a:rPr lang="en-GB" dirty="0" err="1">
+                <a:latin typeface="Consolas" panose="020B0609020204030204" pitchFamily="49" charset="0"/>
+              </a:rPr>
+              <a:t>people.writeTo</a:t>
+            </a:r>
+            <a:r>
+              <a:rPr lang="en-GB" dirty="0">
+                <a:latin typeface="Consolas" panose="020B0609020204030204" pitchFamily="49" charset="0"/>
+              </a:rPr>
+              <a:t>(</a:t>
+            </a:r>
+            <a:r>
+              <a:rPr lang="en-GB" dirty="0" err="1">
+                <a:latin typeface="Consolas" panose="020B0609020204030204" pitchFamily="49" charset="0"/>
+              </a:rPr>
+              <a:t>fos</a:t>
+            </a:r>
+            <a:r>
+              <a:rPr lang="en-GB" dirty="0">
+                <a:latin typeface="Consolas" panose="020B0609020204030204" pitchFamily="49" charset="0"/>
+              </a:rPr>
+              <a:t>);</a:t>
+            </a:r>
+          </a:p>
+        </p:txBody>
+      </p:sp>
+      <p:sp>
+        <p:nvSpPr>
+          <p:cNvPr id="7" name="Symbol zastępczy zawartości 4">
+            <a:extLst>
+              <a:ext uri="{FF2B5EF4-FFF2-40B4-BE49-F238E27FC236}">
+                <a16:creationId xmlns:a16="http://schemas.microsoft.com/office/drawing/2014/main" id="{78F6EC57-51F6-43E4-A67F-F1145524F222}"/>
+              </a:ext>
+            </a:extLst>
+          </p:cNvPr>
+          <p:cNvSpPr>
+            <a:spLocks noGrp="1"/>
+          </p:cNvSpPr>
+          <p:nvPr>
+            <p:ph sz="half" idx="1"/>
+          </p:nvPr>
+        </p:nvSpPr>
+        <p:spPr>
+          <a:xfrm>
+            <a:off x="755575" y="1556792"/>
+            <a:ext cx="8262476" cy="504056"/>
+          </a:xfrm>
+        </p:spPr>
+        <p:txBody>
+          <a:bodyPr/>
+          <a:lstStyle/>
+          <a:p>
+            <a:pPr marL="0" indent="0" algn="ctr">
+              <a:buNone/>
+            </a:pPr>
+            <a:r>
+              <a:rPr lang="en-US" dirty="0"/>
+              <a:t>Serializing data</a:t>
+            </a:r>
+          </a:p>
+        </p:txBody>
+      </p:sp>
+    </p:spTree>
+    <p:extLst>
+      <p:ext uri="{BB962C8B-B14F-4D97-AF65-F5344CB8AC3E}">
+        <p14:creationId xmlns:p14="http://schemas.microsoft.com/office/powerpoint/2010/main" val="3072174274"/>
+      </p:ext>
+    </p:extLst>
+  </p:cSld>
+  <p:clrMapOvr>
+    <a:masterClrMapping/>
+  </p:clrMapOvr>
+  <p:transition>
+    <p:randomBar/>
+  </p:transition>
+</p:sld>
+</file>
+
+<file path=ppt/slides/slide15.xml><?xml version="1.0" encoding="utf-8"?>
+<p:sld xmlns:a="http://schemas.openxmlformats.org/drawingml/2006/main" xmlns:r="http://schemas.openxmlformats.org/officeDocument/2006/relationships" xmlns:p="http://schemas.openxmlformats.org/presentationml/2006/main">
+  <p:cSld>
+    <p:spTree>
+      <p:nvGrpSpPr>
+        <p:cNvPr id="1" name=""/>
+        <p:cNvGrpSpPr/>
+        <p:nvPr/>
+      </p:nvGrpSpPr>
+      <p:grpSpPr>
+        <a:xfrm>
+          <a:off x="0" y="0"/>
+          <a:ext cx="0" cy="0"/>
+          <a:chOff x="0" y="0"/>
+          <a:chExt cx="0" cy="0"/>
+        </a:xfrm>
+      </p:grpSpPr>
+      <p:sp>
+        <p:nvSpPr>
+          <p:cNvPr id="2" name="Symbol zastępczy tekstu 1">
+            <a:extLst>
+              <a:ext uri="{FF2B5EF4-FFF2-40B4-BE49-F238E27FC236}">
+                <a16:creationId xmlns:a16="http://schemas.microsoft.com/office/drawing/2014/main" id="{365C45AE-4F0B-4814-ADFC-BBF76DB0C703}"/>
+              </a:ext>
+            </a:extLst>
+          </p:cNvPr>
+          <p:cNvSpPr>
+            <a:spLocks noGrp="1"/>
+          </p:cNvSpPr>
+          <p:nvPr>
+            <p:ph type="body" idx="11"/>
+          </p:nvPr>
+        </p:nvSpPr>
+        <p:spPr/>
+        <p:txBody>
+          <a:bodyPr/>
+          <a:lstStyle/>
+          <a:p>
+            <a:pPr algn="ctr"/>
+            <a:r>
+              <a:rPr lang="en-GB" dirty="0"/>
+              <a:t>Example</a:t>
+            </a:r>
+            <a:r>
+              <a:rPr lang="pl-PL" dirty="0"/>
+              <a:t>: Java</a:t>
+            </a:r>
+            <a:endParaRPr lang="en-GB" dirty="0"/>
+          </a:p>
+        </p:txBody>
+      </p:sp>
+      <p:sp>
+        <p:nvSpPr>
+          <p:cNvPr id="6" name="Prostokąt 5">
+            <a:extLst>
+              <a:ext uri="{FF2B5EF4-FFF2-40B4-BE49-F238E27FC236}">
+                <a16:creationId xmlns:a16="http://schemas.microsoft.com/office/drawing/2014/main" id="{7B4106AB-0A21-4A64-8767-E542AE1071A7}"/>
+              </a:ext>
+            </a:extLst>
+          </p:cNvPr>
+          <p:cNvSpPr/>
+          <p:nvPr/>
+        </p:nvSpPr>
+        <p:spPr>
+          <a:xfrm>
+            <a:off x="1187624" y="2420888"/>
+            <a:ext cx="7488831" cy="1477328"/>
+          </a:xfrm>
+          <a:prstGeom prst="rect">
+            <a:avLst/>
+          </a:prstGeom>
+        </p:spPr>
+        <p:txBody>
+          <a:bodyPr wrap="square">
+            <a:spAutoFit/>
+          </a:bodyPr>
+          <a:lstStyle/>
+          <a:p>
+            <a:r>
+              <a:rPr lang="en-GB" dirty="0" err="1">
+                <a:latin typeface="Consolas" panose="020B0609020204030204" pitchFamily="49" charset="0"/>
+              </a:rPr>
+              <a:t>FileInputStream</a:t>
+            </a:r>
+            <a:r>
+              <a:rPr lang="en-GB" dirty="0">
+                <a:latin typeface="Consolas" panose="020B0609020204030204" pitchFamily="49" charset="0"/>
+              </a:rPr>
+              <a:t> </a:t>
+            </a:r>
+            <a:r>
+              <a:rPr lang="en-GB" dirty="0" err="1">
+                <a:latin typeface="Consolas" panose="020B0609020204030204" pitchFamily="49" charset="0"/>
+              </a:rPr>
+              <a:t>fis</a:t>
+            </a:r>
+            <a:r>
+              <a:rPr lang="en-GB" dirty="0">
+                <a:latin typeface="Consolas" panose="020B0609020204030204" pitchFamily="49" charset="0"/>
+              </a:rPr>
+              <a:t> = new </a:t>
+            </a:r>
+            <a:r>
+              <a:rPr lang="en-GB" dirty="0" err="1">
+                <a:latin typeface="Consolas" panose="020B0609020204030204" pitchFamily="49" charset="0"/>
+              </a:rPr>
+              <a:t>FileInputStream</a:t>
+            </a:r>
+            <a:r>
+              <a:rPr lang="en-GB" dirty="0">
+                <a:latin typeface="Consolas" panose="020B0609020204030204" pitchFamily="49" charset="0"/>
+              </a:rPr>
+              <a:t>(</a:t>
+            </a:r>
+            <a:r>
+              <a:rPr lang="en-GB" dirty="0" err="1">
+                <a:latin typeface="Consolas" panose="020B0609020204030204" pitchFamily="49" charset="0"/>
+              </a:rPr>
+              <a:t>filePath</a:t>
+            </a:r>
+            <a:r>
+              <a:rPr lang="en-GB" dirty="0">
+                <a:latin typeface="Consolas" panose="020B0609020204030204" pitchFamily="49" charset="0"/>
+              </a:rPr>
+              <a:t>);</a:t>
+            </a:r>
+          </a:p>
+          <a:p>
+            <a:r>
+              <a:rPr lang="en-GB" dirty="0" err="1">
+                <a:latin typeface="Consolas" panose="020B0609020204030204" pitchFamily="49" charset="0"/>
+              </a:rPr>
+              <a:t>PeopleMessage.People</a:t>
+            </a:r>
+            <a:r>
+              <a:rPr lang="pl-PL" dirty="0">
+                <a:latin typeface="Consolas" panose="020B0609020204030204" pitchFamily="49" charset="0"/>
+              </a:rPr>
+              <a:t> </a:t>
+            </a:r>
+            <a:r>
+              <a:rPr lang="pl-PL" dirty="0" err="1">
+                <a:latin typeface="Consolas" panose="020B0609020204030204" pitchFamily="49" charset="0"/>
+              </a:rPr>
+              <a:t>people</a:t>
+            </a:r>
+            <a:r>
+              <a:rPr lang="pl-PL" dirty="0">
+                <a:latin typeface="Consolas" panose="020B0609020204030204" pitchFamily="49" charset="0"/>
+              </a:rPr>
+              <a:t> =</a:t>
+            </a:r>
+          </a:p>
+          <a:p>
+            <a:r>
+              <a:rPr lang="pl-PL" dirty="0">
+                <a:latin typeface="Consolas" panose="020B0609020204030204" pitchFamily="49" charset="0"/>
+              </a:rPr>
+              <a:t>		</a:t>
+            </a:r>
+            <a:r>
+              <a:rPr lang="en-GB" dirty="0" err="1">
+                <a:latin typeface="Consolas" panose="020B0609020204030204" pitchFamily="49" charset="0"/>
+              </a:rPr>
+              <a:t>PeopleMessage.People.newBuilder</a:t>
+            </a:r>
+            <a:r>
+              <a:rPr lang="en-GB" dirty="0">
+                <a:latin typeface="Consolas" panose="020B0609020204030204" pitchFamily="49" charset="0"/>
+              </a:rPr>
+              <a:t>()</a:t>
+            </a:r>
+            <a:endParaRPr lang="pl-PL" dirty="0">
+              <a:latin typeface="Consolas" panose="020B0609020204030204" pitchFamily="49" charset="0"/>
+            </a:endParaRPr>
+          </a:p>
+          <a:p>
+            <a:r>
+              <a:rPr lang="pl-PL" dirty="0">
+                <a:latin typeface="Consolas" panose="020B0609020204030204" pitchFamily="49" charset="0"/>
+              </a:rPr>
+              <a:t>			</a:t>
+            </a:r>
+            <a:r>
+              <a:rPr lang="en-GB" dirty="0">
+                <a:latin typeface="Consolas" panose="020B0609020204030204" pitchFamily="49" charset="0"/>
+              </a:rPr>
+              <a:t>.</a:t>
+            </a:r>
+            <a:r>
+              <a:rPr lang="en-GB" dirty="0" err="1">
+                <a:latin typeface="Consolas" panose="020B0609020204030204" pitchFamily="49" charset="0"/>
+              </a:rPr>
+              <a:t>mergeFrom</a:t>
+            </a:r>
+            <a:r>
+              <a:rPr lang="en-GB" dirty="0">
+                <a:latin typeface="Consolas" panose="020B0609020204030204" pitchFamily="49" charset="0"/>
+              </a:rPr>
+              <a:t>(</a:t>
+            </a:r>
+            <a:r>
+              <a:rPr lang="en-GB" dirty="0" err="1">
+                <a:latin typeface="Consolas" panose="020B0609020204030204" pitchFamily="49" charset="0"/>
+              </a:rPr>
+              <a:t>fis</a:t>
+            </a:r>
+            <a:r>
+              <a:rPr lang="en-GB" dirty="0">
+                <a:latin typeface="Consolas" panose="020B0609020204030204" pitchFamily="49" charset="0"/>
+              </a:rPr>
+              <a:t>)</a:t>
+            </a:r>
+            <a:endParaRPr lang="pl-PL" dirty="0">
+              <a:latin typeface="Consolas" panose="020B0609020204030204" pitchFamily="49" charset="0"/>
+            </a:endParaRPr>
+          </a:p>
+          <a:p>
+            <a:r>
+              <a:rPr lang="pl-PL" dirty="0">
+                <a:latin typeface="Consolas" panose="020B0609020204030204" pitchFamily="49" charset="0"/>
+              </a:rPr>
+              <a:t>			</a:t>
+            </a:r>
+            <a:r>
+              <a:rPr lang="en-GB" dirty="0">
+                <a:latin typeface="Consolas" panose="020B0609020204030204" pitchFamily="49" charset="0"/>
+              </a:rPr>
+              <a:t>.build();</a:t>
+            </a:r>
+          </a:p>
+        </p:txBody>
+      </p:sp>
+      <p:sp>
+        <p:nvSpPr>
+          <p:cNvPr id="7" name="Symbol zastępczy zawartości 4">
+            <a:extLst>
+              <a:ext uri="{FF2B5EF4-FFF2-40B4-BE49-F238E27FC236}">
+                <a16:creationId xmlns:a16="http://schemas.microsoft.com/office/drawing/2014/main" id="{78F6EC57-51F6-43E4-A67F-F1145524F222}"/>
+              </a:ext>
+            </a:extLst>
+          </p:cNvPr>
+          <p:cNvSpPr>
+            <a:spLocks noGrp="1"/>
+          </p:cNvSpPr>
+          <p:nvPr>
+            <p:ph sz="half" idx="1"/>
+          </p:nvPr>
+        </p:nvSpPr>
+        <p:spPr>
+          <a:xfrm>
+            <a:off x="755575" y="1556792"/>
+            <a:ext cx="8262476" cy="504056"/>
+          </a:xfrm>
+        </p:spPr>
+        <p:txBody>
+          <a:bodyPr/>
+          <a:lstStyle/>
+          <a:p>
+            <a:pPr marL="0" indent="0" algn="ctr">
+              <a:buNone/>
+            </a:pPr>
+            <a:r>
+              <a:rPr lang="en-GB" dirty="0"/>
+              <a:t>D</a:t>
+            </a:r>
+            <a:r>
+              <a:rPr lang="en-US" dirty="0"/>
+              <a:t>e</a:t>
+            </a:r>
+            <a:r>
+              <a:rPr lang="en-GB" dirty="0" err="1"/>
+              <a:t>srializing</a:t>
+            </a:r>
+            <a:r>
+              <a:rPr lang="en-US" dirty="0"/>
+              <a:t> data</a:t>
+            </a:r>
+          </a:p>
+        </p:txBody>
+      </p:sp>
+    </p:spTree>
+    <p:extLst>
+      <p:ext uri="{BB962C8B-B14F-4D97-AF65-F5344CB8AC3E}">
+        <p14:creationId xmlns:p14="http://schemas.microsoft.com/office/powerpoint/2010/main" val="225271144"/>
+      </p:ext>
+    </p:extLst>
+  </p:cSld>
+  <p:clrMapOvr>
+    <a:masterClrMapping/>
+  </p:clrMapOvr>
+  <p:transition>
+    <p:randomBar/>
+  </p:transition>
+</p:sld>
+</file>
+
+<file path=ppt/slides/slide16.xml><?xml version="1.0" encoding="utf-8"?>
+<p:sld xmlns:a="http://schemas.openxmlformats.org/drawingml/2006/main" xmlns:r="http://schemas.openxmlformats.org/officeDocument/2006/relationships" xmlns:p="http://schemas.openxmlformats.org/presentationml/2006/main">
+  <p:cSld>
+    <p:spTree>
+      <p:nvGrpSpPr>
+        <p:cNvPr id="1" name=""/>
+        <p:cNvGrpSpPr/>
+        <p:nvPr/>
+      </p:nvGrpSpPr>
+      <p:grpSpPr>
+        <a:xfrm>
+          <a:off x="0" y="0"/>
+          <a:ext cx="0" cy="0"/>
+          <a:chOff x="0" y="0"/>
+          <a:chExt cx="0" cy="0"/>
+        </a:xfrm>
+      </p:grpSpPr>
+      <p:sp>
+        <p:nvSpPr>
+          <p:cNvPr id="2" name="Symbol zastępczy tekstu 1">
+            <a:extLst>
+              <a:ext uri="{FF2B5EF4-FFF2-40B4-BE49-F238E27FC236}">
+                <a16:creationId xmlns:a16="http://schemas.microsoft.com/office/drawing/2014/main" id="{365C45AE-4F0B-4814-ADFC-BBF76DB0C703}"/>
+              </a:ext>
+            </a:extLst>
+          </p:cNvPr>
+          <p:cNvSpPr>
+            <a:spLocks noGrp="1"/>
+          </p:cNvSpPr>
+          <p:nvPr>
+            <p:ph type="body" idx="11"/>
+          </p:nvPr>
+        </p:nvSpPr>
+        <p:spPr/>
+        <p:txBody>
+          <a:bodyPr/>
+          <a:lstStyle/>
+          <a:p>
+            <a:pPr algn="ctr"/>
+            <a:r>
+              <a:rPr lang="en-GB" dirty="0"/>
+              <a:t>Example</a:t>
+            </a:r>
+            <a:r>
+              <a:rPr lang="pl-PL" dirty="0"/>
+              <a:t>: </a:t>
+            </a:r>
+            <a:r>
+              <a:rPr lang="en-GB" dirty="0"/>
+              <a:t>Python</a:t>
+            </a:r>
+          </a:p>
+        </p:txBody>
+      </p:sp>
+      <p:sp>
+        <p:nvSpPr>
+          <p:cNvPr id="6" name="Prostokąt 5">
+            <a:extLst>
+              <a:ext uri="{FF2B5EF4-FFF2-40B4-BE49-F238E27FC236}">
+                <a16:creationId xmlns:a16="http://schemas.microsoft.com/office/drawing/2014/main" id="{7B4106AB-0A21-4A64-8767-E542AE1071A7}"/>
+              </a:ext>
+            </a:extLst>
+          </p:cNvPr>
+          <p:cNvSpPr/>
+          <p:nvPr/>
+        </p:nvSpPr>
+        <p:spPr>
+          <a:xfrm>
+            <a:off x="1187624" y="2413337"/>
+            <a:ext cx="7071207" cy="1477328"/>
+          </a:xfrm>
+          <a:prstGeom prst="rect">
+            <a:avLst/>
+          </a:prstGeom>
+        </p:spPr>
+        <p:txBody>
+          <a:bodyPr wrap="square">
+            <a:spAutoFit/>
+          </a:bodyPr>
+          <a:lstStyle/>
+          <a:p>
+            <a:r>
+              <a:rPr lang="en-GB" dirty="0">
+                <a:latin typeface="Consolas" panose="020B0609020204030204" pitchFamily="49" charset="0"/>
+              </a:rPr>
+              <a:t>person = Person_pb2.Person()</a:t>
+            </a:r>
+          </a:p>
+          <a:p>
+            <a:r>
+              <a:rPr lang="en-GB" dirty="0" err="1">
+                <a:latin typeface="Consolas" panose="020B0609020204030204" pitchFamily="49" charset="0"/>
+              </a:rPr>
+              <a:t>person.fName</a:t>
+            </a:r>
+            <a:r>
+              <a:rPr lang="en-GB" dirty="0">
+                <a:latin typeface="Consolas" panose="020B0609020204030204" pitchFamily="49" charset="0"/>
+              </a:rPr>
+              <a:t> = "Bill"</a:t>
+            </a:r>
+          </a:p>
+          <a:p>
+            <a:r>
+              <a:rPr lang="en-GB" dirty="0" err="1">
+                <a:latin typeface="Consolas" panose="020B0609020204030204" pitchFamily="49" charset="0"/>
+              </a:rPr>
+              <a:t>person.lName</a:t>
+            </a:r>
+            <a:r>
+              <a:rPr lang="en-GB" dirty="0">
+                <a:latin typeface="Consolas" panose="020B0609020204030204" pitchFamily="49" charset="0"/>
+              </a:rPr>
+              <a:t> = "Gates"</a:t>
+            </a:r>
+          </a:p>
+          <a:p>
+            <a:r>
+              <a:rPr lang="en-GB" dirty="0" err="1">
+                <a:latin typeface="Consolas" panose="020B0609020204030204" pitchFamily="49" charset="0"/>
+              </a:rPr>
+              <a:t>person.age</a:t>
+            </a:r>
+            <a:r>
+              <a:rPr lang="en-GB" dirty="0">
+                <a:latin typeface="Consolas" panose="020B0609020204030204" pitchFamily="49" charset="0"/>
+              </a:rPr>
+              <a:t> = 64</a:t>
+            </a:r>
+          </a:p>
+          <a:p>
+            <a:r>
+              <a:rPr lang="en-GB" dirty="0" err="1">
+                <a:latin typeface="Consolas" panose="020B0609020204030204" pitchFamily="49" charset="0"/>
+              </a:rPr>
+              <a:t>person.isFamous</a:t>
+            </a:r>
+            <a:r>
+              <a:rPr lang="en-GB" dirty="0">
+                <a:latin typeface="Consolas" panose="020B0609020204030204" pitchFamily="49" charset="0"/>
+              </a:rPr>
+              <a:t> = 1</a:t>
+            </a:r>
+          </a:p>
+        </p:txBody>
+      </p:sp>
+      <p:sp>
+        <p:nvSpPr>
+          <p:cNvPr id="7" name="Symbol zastępczy zawartości 4">
+            <a:extLst>
+              <a:ext uri="{FF2B5EF4-FFF2-40B4-BE49-F238E27FC236}">
+                <a16:creationId xmlns:a16="http://schemas.microsoft.com/office/drawing/2014/main" id="{78F6EC57-51F6-43E4-A67F-F1145524F222}"/>
+              </a:ext>
+            </a:extLst>
+          </p:cNvPr>
+          <p:cNvSpPr>
+            <a:spLocks noGrp="1"/>
+          </p:cNvSpPr>
+          <p:nvPr>
+            <p:ph sz="half" idx="1"/>
+          </p:nvPr>
+        </p:nvSpPr>
+        <p:spPr>
+          <a:xfrm>
+            <a:off x="755575" y="1556792"/>
+            <a:ext cx="8262476" cy="504056"/>
+          </a:xfrm>
+        </p:spPr>
+        <p:txBody>
+          <a:bodyPr/>
+          <a:lstStyle/>
+          <a:p>
+            <a:pPr marL="0" indent="0" algn="ctr">
+              <a:buNone/>
+            </a:pPr>
+            <a:r>
+              <a:rPr lang="en-US" dirty="0"/>
+              <a:t>Creating </a:t>
+            </a:r>
+            <a:r>
+              <a:rPr lang="pl-PL" dirty="0"/>
+              <a:t>Person </a:t>
+            </a:r>
+            <a:r>
+              <a:rPr lang="en-US" dirty="0"/>
+              <a:t>instance with builder</a:t>
+            </a:r>
+          </a:p>
+        </p:txBody>
+      </p:sp>
+    </p:spTree>
+    <p:extLst>
+      <p:ext uri="{BB962C8B-B14F-4D97-AF65-F5344CB8AC3E}">
+        <p14:creationId xmlns:p14="http://schemas.microsoft.com/office/powerpoint/2010/main" val="320392570"/>
+      </p:ext>
+    </p:extLst>
+  </p:cSld>
+  <p:clrMapOvr>
+    <a:masterClrMapping/>
+  </p:clrMapOvr>
+  <p:transition>
+    <p:randomBar/>
+  </p:transition>
+</p:sld>
+</file>
+
+<file path=ppt/slides/slide17.xml><?xml version="1.0" encoding="utf-8"?>
+<p:sld xmlns:a="http://schemas.openxmlformats.org/drawingml/2006/main" xmlns:r="http://schemas.openxmlformats.org/officeDocument/2006/relationships" xmlns:p="http://schemas.openxmlformats.org/presentationml/2006/main">
+  <p:cSld>
+    <p:spTree>
+      <p:nvGrpSpPr>
+        <p:cNvPr id="1" name=""/>
+        <p:cNvGrpSpPr/>
+        <p:nvPr/>
+      </p:nvGrpSpPr>
+      <p:grpSpPr>
+        <a:xfrm>
+          <a:off x="0" y="0"/>
+          <a:ext cx="0" cy="0"/>
+          <a:chOff x="0" y="0"/>
+          <a:chExt cx="0" cy="0"/>
+        </a:xfrm>
+      </p:grpSpPr>
+      <p:sp>
+        <p:nvSpPr>
+          <p:cNvPr id="2" name="Symbol zastępczy tekstu 1">
+            <a:extLst>
+              <a:ext uri="{FF2B5EF4-FFF2-40B4-BE49-F238E27FC236}">
+                <a16:creationId xmlns:a16="http://schemas.microsoft.com/office/drawing/2014/main" id="{365C45AE-4F0B-4814-ADFC-BBF76DB0C703}"/>
+              </a:ext>
+            </a:extLst>
+          </p:cNvPr>
+          <p:cNvSpPr>
+            <a:spLocks noGrp="1"/>
+          </p:cNvSpPr>
+          <p:nvPr>
+            <p:ph type="body" idx="11"/>
+          </p:nvPr>
+        </p:nvSpPr>
+        <p:spPr/>
+        <p:txBody>
+          <a:bodyPr/>
+          <a:lstStyle/>
+          <a:p>
+            <a:pPr algn="ctr"/>
+            <a:r>
+              <a:rPr lang="en-GB" dirty="0"/>
+              <a:t>Example</a:t>
+            </a:r>
+            <a:r>
+              <a:rPr lang="pl-PL" dirty="0"/>
+              <a:t>: </a:t>
+            </a:r>
+            <a:r>
+              <a:rPr lang="en-GB" dirty="0"/>
+              <a:t>Python</a:t>
+            </a:r>
+          </a:p>
+        </p:txBody>
+      </p:sp>
+      <p:sp>
+        <p:nvSpPr>
+          <p:cNvPr id="6" name="Prostokąt 5">
+            <a:extLst>
+              <a:ext uri="{FF2B5EF4-FFF2-40B4-BE49-F238E27FC236}">
+                <a16:creationId xmlns:a16="http://schemas.microsoft.com/office/drawing/2014/main" id="{7B4106AB-0A21-4A64-8767-E542AE1071A7}"/>
+              </a:ext>
+            </a:extLst>
+          </p:cNvPr>
+          <p:cNvSpPr/>
+          <p:nvPr/>
+        </p:nvSpPr>
+        <p:spPr>
+          <a:xfrm>
+            <a:off x="1187625" y="2420888"/>
+            <a:ext cx="7191576" cy="923330"/>
+          </a:xfrm>
+          <a:prstGeom prst="rect">
+            <a:avLst/>
+          </a:prstGeom>
+        </p:spPr>
+        <p:txBody>
+          <a:bodyPr wrap="square">
+            <a:spAutoFit/>
+          </a:bodyPr>
+          <a:lstStyle/>
+          <a:p>
+            <a:r>
+              <a:rPr lang="en-GB" dirty="0">
+                <a:latin typeface="Consolas" panose="020B0609020204030204" pitchFamily="49" charset="0"/>
+              </a:rPr>
+              <a:t>f = open(</a:t>
+            </a:r>
+            <a:r>
+              <a:rPr lang="en-GB" dirty="0" err="1">
+                <a:latin typeface="Consolas" panose="020B0609020204030204" pitchFamily="49" charset="0"/>
+              </a:rPr>
+              <a:t>filePath</a:t>
+            </a:r>
+            <a:r>
+              <a:rPr lang="en-GB" dirty="0">
+                <a:latin typeface="Consolas" panose="020B0609020204030204" pitchFamily="49" charset="0"/>
+              </a:rPr>
+              <a:t>, "</a:t>
+            </a:r>
+            <a:r>
+              <a:rPr lang="en-GB" dirty="0" err="1">
+                <a:latin typeface="Consolas" panose="020B0609020204030204" pitchFamily="49" charset="0"/>
+              </a:rPr>
+              <a:t>wb</a:t>
+            </a:r>
+            <a:r>
+              <a:rPr lang="en-GB" dirty="0">
+                <a:latin typeface="Consolas" panose="020B0609020204030204" pitchFamily="49" charset="0"/>
+              </a:rPr>
+              <a:t>")</a:t>
+            </a:r>
+          </a:p>
+          <a:p>
+            <a:r>
+              <a:rPr lang="en-GB" dirty="0" err="1">
+                <a:latin typeface="Consolas" panose="020B0609020204030204" pitchFamily="49" charset="0"/>
+              </a:rPr>
+              <a:t>f.write</a:t>
+            </a:r>
+            <a:r>
+              <a:rPr lang="en-GB" dirty="0">
+                <a:latin typeface="Consolas" panose="020B0609020204030204" pitchFamily="49" charset="0"/>
+              </a:rPr>
+              <a:t>(</a:t>
+            </a:r>
+            <a:r>
+              <a:rPr lang="en-GB" dirty="0" err="1">
+                <a:latin typeface="Consolas" panose="020B0609020204030204" pitchFamily="49" charset="0"/>
+              </a:rPr>
+              <a:t>people.SerializeToString</a:t>
+            </a:r>
+            <a:r>
+              <a:rPr lang="en-GB" dirty="0">
+                <a:latin typeface="Consolas" panose="020B0609020204030204" pitchFamily="49" charset="0"/>
+              </a:rPr>
+              <a:t>())</a:t>
+            </a:r>
+          </a:p>
+          <a:p>
+            <a:r>
+              <a:rPr lang="en-GB" dirty="0" err="1">
+                <a:latin typeface="Consolas" panose="020B0609020204030204" pitchFamily="49" charset="0"/>
+              </a:rPr>
+              <a:t>f.close</a:t>
+            </a:r>
+            <a:r>
+              <a:rPr lang="en-GB" dirty="0">
+                <a:latin typeface="Consolas" panose="020B0609020204030204" pitchFamily="49" charset="0"/>
+              </a:rPr>
+              <a:t>()</a:t>
+            </a:r>
+          </a:p>
+        </p:txBody>
+      </p:sp>
+      <p:sp>
+        <p:nvSpPr>
+          <p:cNvPr id="7" name="Symbol zastępczy zawartości 4">
+            <a:extLst>
+              <a:ext uri="{FF2B5EF4-FFF2-40B4-BE49-F238E27FC236}">
+                <a16:creationId xmlns:a16="http://schemas.microsoft.com/office/drawing/2014/main" id="{78F6EC57-51F6-43E4-A67F-F1145524F222}"/>
+              </a:ext>
+            </a:extLst>
+          </p:cNvPr>
+          <p:cNvSpPr>
+            <a:spLocks noGrp="1"/>
+          </p:cNvSpPr>
+          <p:nvPr>
+            <p:ph sz="half" idx="1"/>
+          </p:nvPr>
+        </p:nvSpPr>
+        <p:spPr>
+          <a:xfrm>
+            <a:off x="755575" y="1556792"/>
+            <a:ext cx="8262476" cy="504056"/>
+          </a:xfrm>
+        </p:spPr>
+        <p:txBody>
+          <a:bodyPr/>
+          <a:lstStyle/>
+          <a:p>
+            <a:pPr marL="0" indent="0" algn="ctr">
+              <a:buNone/>
+            </a:pPr>
+            <a:r>
+              <a:rPr lang="en-US" dirty="0"/>
+              <a:t>Serializing data</a:t>
+            </a:r>
+          </a:p>
+        </p:txBody>
+      </p:sp>
+    </p:spTree>
+    <p:extLst>
+      <p:ext uri="{BB962C8B-B14F-4D97-AF65-F5344CB8AC3E}">
+        <p14:creationId xmlns:p14="http://schemas.microsoft.com/office/powerpoint/2010/main" val="1645741439"/>
+      </p:ext>
+    </p:extLst>
+  </p:cSld>
+  <p:clrMapOvr>
+    <a:masterClrMapping/>
+  </p:clrMapOvr>
+  <p:transition>
+    <p:randomBar/>
+  </p:transition>
+</p:sld>
+</file>
+
+<file path=ppt/slides/slide18.xml><?xml version="1.0" encoding="utf-8"?>
+<p:sld xmlns:a="http://schemas.openxmlformats.org/drawingml/2006/main" xmlns:r="http://schemas.openxmlformats.org/officeDocument/2006/relationships" xmlns:p="http://schemas.openxmlformats.org/presentationml/2006/main">
+  <p:cSld>
+    <p:spTree>
+      <p:nvGrpSpPr>
+        <p:cNvPr id="1" name=""/>
+        <p:cNvGrpSpPr/>
+        <p:nvPr/>
+      </p:nvGrpSpPr>
+      <p:grpSpPr>
+        <a:xfrm>
+          <a:off x="0" y="0"/>
+          <a:ext cx="0" cy="0"/>
+          <a:chOff x="0" y="0"/>
+          <a:chExt cx="0" cy="0"/>
+        </a:xfrm>
+      </p:grpSpPr>
+      <p:sp>
+        <p:nvSpPr>
+          <p:cNvPr id="2" name="Symbol zastępczy tekstu 1">
+            <a:extLst>
+              <a:ext uri="{FF2B5EF4-FFF2-40B4-BE49-F238E27FC236}">
+                <a16:creationId xmlns:a16="http://schemas.microsoft.com/office/drawing/2014/main" id="{365C45AE-4F0B-4814-ADFC-BBF76DB0C703}"/>
+              </a:ext>
+            </a:extLst>
+          </p:cNvPr>
+          <p:cNvSpPr>
+            <a:spLocks noGrp="1"/>
+          </p:cNvSpPr>
+          <p:nvPr>
+            <p:ph type="body" idx="11"/>
+          </p:nvPr>
+        </p:nvSpPr>
+        <p:spPr/>
+        <p:txBody>
+          <a:bodyPr/>
+          <a:lstStyle/>
+          <a:p>
+            <a:pPr algn="ctr"/>
+            <a:r>
+              <a:rPr lang="en-GB" dirty="0"/>
+              <a:t>Example</a:t>
+            </a:r>
+            <a:r>
+              <a:rPr lang="pl-PL" dirty="0"/>
+              <a:t>: </a:t>
+            </a:r>
+            <a:r>
+              <a:rPr lang="en-GB" dirty="0"/>
+              <a:t>Python</a:t>
+            </a:r>
+          </a:p>
+        </p:txBody>
+      </p:sp>
+      <p:sp>
+        <p:nvSpPr>
+          <p:cNvPr id="6" name="Prostokąt 5">
+            <a:extLst>
+              <a:ext uri="{FF2B5EF4-FFF2-40B4-BE49-F238E27FC236}">
+                <a16:creationId xmlns:a16="http://schemas.microsoft.com/office/drawing/2014/main" id="{7B4106AB-0A21-4A64-8767-E542AE1071A7}"/>
+              </a:ext>
+            </a:extLst>
+          </p:cNvPr>
+          <p:cNvSpPr/>
+          <p:nvPr/>
+        </p:nvSpPr>
+        <p:spPr>
+          <a:xfrm>
+            <a:off x="1187624" y="2420888"/>
+            <a:ext cx="7488831" cy="1200329"/>
+          </a:xfrm>
+          <a:prstGeom prst="rect">
+            <a:avLst/>
+          </a:prstGeom>
+        </p:spPr>
+        <p:txBody>
+          <a:bodyPr wrap="square">
+            <a:spAutoFit/>
+          </a:bodyPr>
+          <a:lstStyle/>
+          <a:p>
+            <a:r>
+              <a:rPr lang="en-GB" dirty="0">
+                <a:latin typeface="Consolas" panose="020B0609020204030204" pitchFamily="49" charset="0"/>
+              </a:rPr>
+              <a:t>people = Person_pb2.People()</a:t>
+            </a:r>
+          </a:p>
+          <a:p>
+            <a:r>
+              <a:rPr lang="en-GB" dirty="0">
+                <a:latin typeface="Consolas" panose="020B0609020204030204" pitchFamily="49" charset="0"/>
+              </a:rPr>
+              <a:t>f = open(</a:t>
+            </a:r>
+            <a:r>
+              <a:rPr lang="en-GB" dirty="0" err="1">
+                <a:latin typeface="Consolas" panose="020B0609020204030204" pitchFamily="49" charset="0"/>
+              </a:rPr>
+              <a:t>filePath</a:t>
+            </a:r>
+            <a:r>
+              <a:rPr lang="en-GB" dirty="0">
+                <a:latin typeface="Consolas" panose="020B0609020204030204" pitchFamily="49" charset="0"/>
+              </a:rPr>
+              <a:t>, "</a:t>
+            </a:r>
+            <a:r>
+              <a:rPr lang="en-GB" dirty="0" err="1">
+                <a:latin typeface="Consolas" panose="020B0609020204030204" pitchFamily="49" charset="0"/>
+              </a:rPr>
+              <a:t>rb</a:t>
+            </a:r>
+            <a:r>
+              <a:rPr lang="en-GB" dirty="0">
+                <a:latin typeface="Consolas" panose="020B0609020204030204" pitchFamily="49" charset="0"/>
+              </a:rPr>
+              <a:t>")</a:t>
+            </a:r>
+          </a:p>
+          <a:p>
+            <a:r>
+              <a:rPr lang="en-GB" dirty="0" err="1">
+                <a:latin typeface="Consolas" panose="020B0609020204030204" pitchFamily="49" charset="0"/>
+              </a:rPr>
+              <a:t>people.ParseFromString</a:t>
+            </a:r>
+            <a:r>
+              <a:rPr lang="en-GB" dirty="0">
+                <a:latin typeface="Consolas" panose="020B0609020204030204" pitchFamily="49" charset="0"/>
+              </a:rPr>
+              <a:t>(</a:t>
+            </a:r>
+            <a:r>
+              <a:rPr lang="en-GB" dirty="0" err="1">
+                <a:latin typeface="Consolas" panose="020B0609020204030204" pitchFamily="49" charset="0"/>
+              </a:rPr>
+              <a:t>f.read</a:t>
+            </a:r>
+            <a:r>
+              <a:rPr lang="en-GB" dirty="0">
+                <a:latin typeface="Consolas" panose="020B0609020204030204" pitchFamily="49" charset="0"/>
+              </a:rPr>
+              <a:t>())</a:t>
+            </a:r>
+          </a:p>
+          <a:p>
+            <a:r>
+              <a:rPr lang="en-GB" dirty="0" err="1">
+                <a:latin typeface="Consolas" panose="020B0609020204030204" pitchFamily="49" charset="0"/>
+              </a:rPr>
+              <a:t>f.close</a:t>
+            </a:r>
+            <a:r>
+              <a:rPr lang="en-GB" dirty="0">
+                <a:latin typeface="Consolas" panose="020B0609020204030204" pitchFamily="49" charset="0"/>
+              </a:rPr>
+              <a:t>()</a:t>
+            </a:r>
+          </a:p>
+        </p:txBody>
+      </p:sp>
+      <p:sp>
+        <p:nvSpPr>
+          <p:cNvPr id="7" name="Symbol zastępczy zawartości 4">
+            <a:extLst>
+              <a:ext uri="{FF2B5EF4-FFF2-40B4-BE49-F238E27FC236}">
+                <a16:creationId xmlns:a16="http://schemas.microsoft.com/office/drawing/2014/main" id="{78F6EC57-51F6-43E4-A67F-F1145524F222}"/>
+              </a:ext>
+            </a:extLst>
+          </p:cNvPr>
+          <p:cNvSpPr>
+            <a:spLocks noGrp="1"/>
+          </p:cNvSpPr>
+          <p:nvPr>
+            <p:ph sz="half" idx="1"/>
+          </p:nvPr>
+        </p:nvSpPr>
+        <p:spPr>
+          <a:xfrm>
+            <a:off x="755575" y="1556792"/>
+            <a:ext cx="8262476" cy="504056"/>
+          </a:xfrm>
+        </p:spPr>
+        <p:txBody>
+          <a:bodyPr/>
+          <a:lstStyle/>
+          <a:p>
+            <a:pPr marL="0" indent="0" algn="ctr">
+              <a:buNone/>
+            </a:pPr>
+            <a:r>
+              <a:rPr lang="en-GB" dirty="0"/>
+              <a:t>D</a:t>
+            </a:r>
+            <a:r>
+              <a:rPr lang="en-US" dirty="0"/>
+              <a:t>e</a:t>
+            </a:r>
+            <a:r>
+              <a:rPr lang="en-GB" dirty="0" err="1"/>
+              <a:t>srializing</a:t>
+            </a:r>
+            <a:r>
+              <a:rPr lang="en-US" dirty="0"/>
+              <a:t> data</a:t>
+            </a:r>
+          </a:p>
+        </p:txBody>
+      </p:sp>
+    </p:spTree>
+    <p:extLst>
+      <p:ext uri="{BB962C8B-B14F-4D97-AF65-F5344CB8AC3E}">
+        <p14:creationId xmlns:p14="http://schemas.microsoft.com/office/powerpoint/2010/main" val="3527629396"/>
+      </p:ext>
+    </p:extLst>
+  </p:cSld>
+  <p:clrMapOvr>
+    <a:masterClrMapping/>
+  </p:clrMapOvr>
+  <p:transition>
+    <p:randomBar/>
+  </p:transition>
+</p:sld>
+</file>
+
+<file path=ppt/slides/slide19.xml><?xml version="1.0" encoding="utf-8"?>
+<p:sld xmlns:a="http://schemas.openxmlformats.org/drawingml/2006/main" xmlns:r="http://schemas.openxmlformats.org/officeDocument/2006/relationships" xmlns:p="http://schemas.openxmlformats.org/presentationml/2006/main">
+  <p:cSld>
+    <p:spTree>
+      <p:nvGrpSpPr>
+        <p:cNvPr id="1" name=""/>
+        <p:cNvGrpSpPr/>
+        <p:nvPr/>
+      </p:nvGrpSpPr>
+      <p:grpSpPr>
+        <a:xfrm>
+          <a:off x="0" y="0"/>
+          <a:ext cx="0" cy="0"/>
+          <a:chOff x="0" y="0"/>
+          <a:chExt cx="0" cy="0"/>
+        </a:xfrm>
+      </p:grpSpPr>
+      <p:sp>
+        <p:nvSpPr>
+          <p:cNvPr id="2" name="Symbol zastępczy tekstu 1">
+            <a:extLst>
+              <a:ext uri="{FF2B5EF4-FFF2-40B4-BE49-F238E27FC236}">
+                <a16:creationId xmlns:a16="http://schemas.microsoft.com/office/drawing/2014/main" id="{365C45AE-4F0B-4814-ADFC-BBF76DB0C703}"/>
+              </a:ext>
+            </a:extLst>
+          </p:cNvPr>
+          <p:cNvSpPr>
+            <a:spLocks noGrp="1"/>
+          </p:cNvSpPr>
+          <p:nvPr>
+            <p:ph type="body" idx="11"/>
+          </p:nvPr>
+        </p:nvSpPr>
+        <p:spPr/>
+        <p:txBody>
+          <a:bodyPr/>
+          <a:lstStyle/>
+          <a:p>
+            <a:pPr algn="ctr"/>
+            <a:r>
+              <a:rPr lang="en-GB" dirty="0"/>
+              <a:t>Conclusion</a:t>
+            </a:r>
+          </a:p>
+        </p:txBody>
+      </p:sp>
+      <p:sp>
+        <p:nvSpPr>
+          <p:cNvPr id="5" name="Symbol zastępczy zawartości 4">
+            <a:extLst>
+              <a:ext uri="{FF2B5EF4-FFF2-40B4-BE49-F238E27FC236}">
+                <a16:creationId xmlns:a16="http://schemas.microsoft.com/office/drawing/2014/main" id="{6E58D955-AA5E-4F59-80A1-85721F0C93CC}"/>
+              </a:ext>
+            </a:extLst>
+          </p:cNvPr>
+          <p:cNvSpPr>
+            <a:spLocks noGrp="1"/>
+          </p:cNvSpPr>
+          <p:nvPr>
+            <p:ph sz="half" idx="1"/>
+          </p:nvPr>
+        </p:nvSpPr>
+        <p:spPr>
+          <a:xfrm>
+            <a:off x="755575" y="1556792"/>
+            <a:ext cx="8262476" cy="4896544"/>
+          </a:xfrm>
+        </p:spPr>
+        <p:txBody>
+          <a:bodyPr/>
+          <a:lstStyle/>
+          <a:p>
+            <a:r>
+              <a:rPr lang="en-GB" dirty="0"/>
+              <a:t>Protocol Buffer is fast and easy to use serialization/deserialization tool</a:t>
+            </a:r>
+          </a:p>
+          <a:p>
+            <a:r>
+              <a:rPr lang="en-GB" dirty="0"/>
+              <a:t>Dependent on used language, files generated by </a:t>
+            </a:r>
+            <a:r>
+              <a:rPr lang="en-GB" dirty="0" err="1"/>
+              <a:t>protoc</a:t>
+            </a:r>
+            <a:r>
+              <a:rPr lang="en-GB" dirty="0"/>
+              <a:t> my be very big</a:t>
+            </a:r>
+          </a:p>
+          <a:p>
+            <a:r>
+              <a:rPr lang="en-GB" dirty="0"/>
+              <a:t>Using </a:t>
+            </a:r>
+            <a:r>
+              <a:rPr lang="en-GB" dirty="0" err="1"/>
+              <a:t>protobuf</a:t>
+            </a:r>
+            <a:r>
+              <a:rPr lang="en-GB" dirty="0"/>
+              <a:t> requires having .proto file and </a:t>
+            </a:r>
+            <a:r>
+              <a:rPr lang="en-GB" dirty="0" err="1"/>
+              <a:t>protoc</a:t>
+            </a:r>
+            <a:r>
+              <a:rPr lang="en-GB" dirty="0"/>
+              <a:t> (compiler) for given language</a:t>
+            </a:r>
+          </a:p>
+          <a:p>
+            <a:r>
+              <a:rPr lang="en-GB" dirty="0"/>
+              <a:t>After serialization files are very small but unreadable due to binary format</a:t>
+            </a:r>
+          </a:p>
+        </p:txBody>
+      </p:sp>
+    </p:spTree>
+    <p:extLst>
+      <p:ext uri="{BB962C8B-B14F-4D97-AF65-F5344CB8AC3E}">
+        <p14:creationId xmlns:p14="http://schemas.microsoft.com/office/powerpoint/2010/main" val="3046966073"/>
       </p:ext>
     </p:extLst>
   </p:cSld>
@@ -5252,12 +8808,24 @@
               <a:rPr lang="en-GB" dirty="0"/>
               <a:t>works</a:t>
             </a:r>
+            <a:endParaRPr lang="pl-PL" dirty="0"/>
           </a:p>
           <a:p>
             <a:r>
               <a:rPr lang="en-GB" dirty="0"/>
-              <a:t>Java example</a:t>
-            </a:r>
+              <a:t>Compilation</a:t>
+            </a:r>
+          </a:p>
+          <a:p>
+            <a:r>
+              <a:rPr lang="pl-PL" dirty="0"/>
+              <a:t>E</a:t>
+            </a:r>
+            <a:r>
+              <a:rPr lang="en-GB" dirty="0" err="1"/>
+              <a:t>xample</a:t>
+            </a:r>
+            <a:endParaRPr lang="en-GB" dirty="0"/>
           </a:p>
           <a:p>
             <a:r>
@@ -5300,6 +8868,120 @@
     <p:extLst>
       <p:ext uri="{BB962C8B-B14F-4D97-AF65-F5344CB8AC3E}">
         <p14:creationId xmlns:p14="http://schemas.microsoft.com/office/powerpoint/2010/main" val="3509997895"/>
+      </p:ext>
+    </p:extLst>
+  </p:cSld>
+  <p:clrMapOvr>
+    <a:masterClrMapping/>
+  </p:clrMapOvr>
+  <p:transition>
+    <p:randomBar/>
+  </p:transition>
+</p:sld>
+</file>
+
+<file path=ppt/slides/slide20.xml><?xml version="1.0" encoding="utf-8"?>
+<p:sld xmlns:a="http://schemas.openxmlformats.org/drawingml/2006/main" xmlns:r="http://schemas.openxmlformats.org/officeDocument/2006/relationships" xmlns:p="http://schemas.openxmlformats.org/presentationml/2006/main">
+  <p:cSld>
+    <p:spTree>
+      <p:nvGrpSpPr>
+        <p:cNvPr id="1" name=""/>
+        <p:cNvGrpSpPr/>
+        <p:nvPr/>
+      </p:nvGrpSpPr>
+      <p:grpSpPr>
+        <a:xfrm>
+          <a:off x="0" y="0"/>
+          <a:ext cx="0" cy="0"/>
+          <a:chOff x="0" y="0"/>
+          <a:chExt cx="0" cy="0"/>
+        </a:xfrm>
+      </p:grpSpPr>
+      <p:sp>
+        <p:nvSpPr>
+          <p:cNvPr id="3" name="Symbol zastępczy zawartości 2"/>
+          <p:cNvSpPr>
+            <a:spLocks noGrp="1"/>
+          </p:cNvSpPr>
+          <p:nvPr>
+            <p:ph sz="half" idx="1"/>
+          </p:nvPr>
+        </p:nvSpPr>
+        <p:spPr/>
+        <p:txBody>
+          <a:bodyPr/>
+          <a:lstStyle/>
+          <a:p>
+            <a:r>
+              <a:rPr lang="en-GB" dirty="0">
+                <a:hlinkClick r:id="rId2"/>
+              </a:rPr>
+              <a:t>https://www.baeldung.com/google-protocol-buffer</a:t>
+            </a:r>
+            <a:endParaRPr lang="pl-PL" dirty="0"/>
+          </a:p>
+          <a:p>
+            <a:r>
+              <a:rPr lang="en-GB" dirty="0">
+                <a:hlinkClick r:id="rId3"/>
+              </a:rPr>
+              <a:t>https://dzone.com/articles/protobuf-for-lazy-java-coders</a:t>
+            </a:r>
+            <a:endParaRPr lang="pl-PL" dirty="0"/>
+          </a:p>
+          <a:p>
+            <a:r>
+              <a:rPr lang="en-GB" dirty="0">
+                <a:hlinkClick r:id="rId4"/>
+              </a:rPr>
+              <a:t>https://developers.google.com/protocol-buffers/docs/javatutorial</a:t>
+            </a:r>
+            <a:endParaRPr lang="pl-PL" dirty="0"/>
+          </a:p>
+          <a:p>
+            <a:r>
+              <a:rPr lang="en-GB" dirty="0">
+                <a:hlinkClick r:id="rId5"/>
+              </a:rPr>
+              <a:t>https://www.appbrain.com/stats/libraries/details/protobuf/google-protocol-buffers</a:t>
+            </a:r>
+            <a:endParaRPr lang="en-GB" dirty="0"/>
+          </a:p>
+        </p:txBody>
+      </p:sp>
+      <p:sp>
+        <p:nvSpPr>
+          <p:cNvPr id="2" name="Symbol zastępczy tekstu 1">
+            <a:extLst>
+              <a:ext uri="{FF2B5EF4-FFF2-40B4-BE49-F238E27FC236}">
+                <a16:creationId xmlns:a16="http://schemas.microsoft.com/office/drawing/2014/main" id="{365C45AE-4F0B-4814-ADFC-BBF76DB0C703}"/>
+              </a:ext>
+            </a:extLst>
+          </p:cNvPr>
+          <p:cNvSpPr>
+            <a:spLocks noGrp="1"/>
+          </p:cNvSpPr>
+          <p:nvPr>
+            <p:ph type="body" idx="11"/>
+          </p:nvPr>
+        </p:nvSpPr>
+        <p:spPr/>
+        <p:txBody>
+          <a:bodyPr/>
+          <a:lstStyle/>
+          <a:p>
+            <a:pPr algn="ctr"/>
+            <a:r>
+              <a:rPr lang="en-GB" dirty="0"/>
+              <a:t>Sources</a:t>
+            </a:r>
+          </a:p>
+        </p:txBody>
+      </p:sp>
+    </p:spTree>
+    <p:extLst>
+      <p:ext uri="{BB962C8B-B14F-4D97-AF65-F5344CB8AC3E}">
+        <p14:creationId xmlns:p14="http://schemas.microsoft.com/office/powerpoint/2010/main" val="4260924228"/>
       </p:ext>
     </p:extLst>
   </p:cSld>
@@ -5770,8 +9452,8 @@
         </p:blipFill>
         <p:spPr>
           <a:xfrm>
-            <a:off x="1788459" y="1697043"/>
-            <a:ext cx="6218955" cy="3842941"/>
+            <a:off x="2031226" y="1697043"/>
+            <a:ext cx="5733421" cy="3842941"/>
           </a:xfrm>
         </p:spPr>
       </p:pic>
@@ -6013,8 +9695,21 @@
             <a:pPr algn="ctr"/>
             <a:r>
               <a:rPr lang="en-GB" dirty="0"/>
-              <a:t>Java example</a:t>
-            </a:r>
+              <a:t>Compilation</a:t>
+            </a:r>
+            <a:r>
+              <a:rPr lang="pl-PL" dirty="0"/>
+              <a:t>: </a:t>
+            </a:r>
+            <a:r>
+              <a:rPr lang="en-GB" dirty="0" err="1"/>
+              <a:t>Jav</a:t>
+            </a:r>
+            <a:r>
+              <a:rPr lang="pl-PL" dirty="0"/>
+              <a:t>a</a:t>
+            </a:r>
+            <a:endParaRPr lang="en-GB" dirty="0"/>
           </a:p>
         </p:txBody>
       </p:sp>
@@ -6047,6 +9742,88 @@
               <a:t>Protoc</a:t>
             </a:r>
             <a:endParaRPr lang="en-GB" dirty="0"/>
+          </a:p>
+        </p:txBody>
+      </p:sp>
+      <p:sp>
+        <p:nvSpPr>
+          <p:cNvPr id="4" name="Prostokąt 3">
+            <a:extLst>
+              <a:ext uri="{FF2B5EF4-FFF2-40B4-BE49-F238E27FC236}">
+                <a16:creationId xmlns:a16="http://schemas.microsoft.com/office/drawing/2014/main" id="{6E25A2F6-9E93-4CE1-ACC5-FE88A5A8B74E}"/>
+              </a:ext>
+            </a:extLst>
+          </p:cNvPr>
+          <p:cNvSpPr/>
+          <p:nvPr/>
+        </p:nvSpPr>
+        <p:spPr>
+          <a:xfrm>
+            <a:off x="1475656" y="2348880"/>
+            <a:ext cx="6624737" cy="307777"/>
+          </a:xfrm>
+          <a:prstGeom prst="rect">
+            <a:avLst/>
+          </a:prstGeom>
+        </p:spPr>
+        <p:txBody>
+          <a:bodyPr wrap="square">
+            <a:spAutoFit/>
+          </a:bodyPr>
+          <a:lstStyle/>
+          <a:p>
+            <a:pPr lvl="0" eaLnBrk="0" hangingPunct="0"/>
+            <a:r>
+              <a:rPr lang="en-US" altLang="en-US" sz="1400" dirty="0" err="1">
+                <a:solidFill>
+                  <a:srgbClr val="37474F"/>
+                </a:solidFill>
+                <a:latin typeface="Consolas" panose="020B0609020204030204" pitchFamily="49" charset="0"/>
+              </a:rPr>
+              <a:t>protoc</a:t>
+            </a:r>
+            <a:r>
+              <a:rPr lang="en-US" altLang="en-US" sz="1400" dirty="0">
+                <a:solidFill>
+                  <a:srgbClr val="37474F"/>
+                </a:solidFill>
+                <a:latin typeface="Consolas" panose="020B0609020204030204" pitchFamily="49" charset="0"/>
+              </a:rPr>
+              <a:t> -I=$SRC_DIR --</a:t>
+            </a:r>
+            <a:r>
+              <a:rPr lang="en-US" altLang="en-US" sz="1400" dirty="0" err="1">
+                <a:solidFill>
+                  <a:srgbClr val="37474F"/>
+                </a:solidFill>
+                <a:latin typeface="Consolas" panose="020B0609020204030204" pitchFamily="49" charset="0"/>
+              </a:rPr>
+              <a:t>java_out</a:t>
+            </a:r>
+            <a:r>
+              <a:rPr lang="en-US" altLang="en-US" sz="1400" dirty="0">
+                <a:solidFill>
+                  <a:srgbClr val="37474F"/>
+                </a:solidFill>
+                <a:latin typeface="Consolas" panose="020B0609020204030204" pitchFamily="49" charset="0"/>
+              </a:rPr>
+              <a:t>=$DST_DIR $SRC_DIR/</a:t>
+            </a:r>
+            <a:r>
+              <a:rPr lang="en-US" altLang="en-US" sz="1400" dirty="0" err="1">
+                <a:solidFill>
+                  <a:srgbClr val="37474F"/>
+                </a:solidFill>
+                <a:latin typeface="Consolas" panose="020B0609020204030204" pitchFamily="49" charset="0"/>
+              </a:rPr>
+              <a:t>addressbook.proto</a:t>
+            </a:r>
+            <a:r>
+              <a:rPr lang="en-US" altLang="en-US" sz="1400" dirty="0">
+                <a:latin typeface="Consolas" panose="020B0609020204030204" pitchFamily="49" charset="0"/>
+              </a:rPr>
+              <a:t> </a:t>
+            </a:r>
           </a:p>
         </p:txBody>
       </p:sp>
@@ -6107,8 +9884,21 @@
             <a:pPr algn="ctr"/>
             <a:r>
               <a:rPr lang="en-GB" dirty="0"/>
-              <a:t>Python example</a:t>
-            </a:r>
+              <a:t>Compilation</a:t>
+            </a:r>
+            <a:r>
+              <a:rPr lang="pl-PL" dirty="0"/>
+              <a:t>: </a:t>
+            </a:r>
+            <a:r>
+              <a:rPr lang="en-GB" dirty="0" err="1"/>
+              <a:t>Jav</a:t>
+            </a:r>
+            <a:r>
+              <a:rPr lang="pl-PL" dirty="0"/>
+              <a:t>a</a:t>
+            </a:r>
+            <a:endParaRPr lang="en-GB" dirty="0"/>
           </a:p>
         </p:txBody>
       </p:sp>
@@ -6133,14 +9923,57 @@
           <a:bodyPr/>
           <a:lstStyle/>
           <a:p>
+            <a:pPr marL="0" indent="0" algn="ctr">
+              <a:buNone/>
+            </a:pPr>
+            <a:r>
+              <a:rPr lang="pl-PL" dirty="0" err="1"/>
+              <a:t>Maven</a:t>
+            </a:r>
             <a:endParaRPr lang="en-GB" dirty="0"/>
           </a:p>
         </p:txBody>
       </p:sp>
+      <p:pic>
+        <p:nvPicPr>
+          <p:cNvPr id="6" name="Obraz 5">
+            <a:extLst>
+              <a:ext uri="{FF2B5EF4-FFF2-40B4-BE49-F238E27FC236}">
+                <a16:creationId xmlns:a16="http://schemas.microsoft.com/office/drawing/2014/main" id="{5C825E0B-594C-4704-BEDE-65BB5CC23E7F}"/>
+              </a:ext>
+            </a:extLst>
+          </p:cNvPr>
+          <p:cNvPicPr>
+            <a:picLocks noChangeAspect="1"/>
+          </p:cNvPicPr>
+          <p:nvPr/>
+        </p:nvPicPr>
+        <p:blipFill>
+          <a:blip r:embed="rId2">
+            <a:extLst>
+              <a:ext uri="{28A0092B-C50C-407E-A947-70E740481C1C}">
+                <a14:useLocalDpi xmlns:a14="http://schemas.microsoft.com/office/drawing/2010/main" val="0"/>
+              </a:ext>
+            </a:extLst>
+          </a:blip>
+          <a:stretch>
+            <a:fillRect/>
+          </a:stretch>
+        </p:blipFill>
+        <p:spPr>
+          <a:xfrm>
+            <a:off x="1979712" y="2079824"/>
+            <a:ext cx="6048672" cy="4498291"/>
+          </a:xfrm>
+          <a:prstGeom prst="rect">
+            <a:avLst/>
+          </a:prstGeom>
+        </p:spPr>
+      </p:pic>
     </p:spTree>
     <p:extLst>
       <p:ext uri="{BB962C8B-B14F-4D97-AF65-F5344CB8AC3E}">
-        <p14:creationId xmlns:p14="http://schemas.microsoft.com/office/powerpoint/2010/main" val="51457630"/>
+        <p14:creationId xmlns:p14="http://schemas.microsoft.com/office/powerpoint/2010/main" val="1463644642"/>
       </p:ext>
     </p:extLst>
   </p:cSld>
